--- a/files/lectures/mutexcorrectness.pptx
+++ b/files/lectures/mutexcorrectness.pptx
@@ -5,7 +5,7 @@
     <p:sldMasterId id="2147483660" r:id="rId1"/>
   </p:sldMasterIdLst>
   <p:notesMasterIdLst>
-    <p:notesMasterId r:id="rId19"/>
+    <p:notesMasterId r:id="rId18"/>
   </p:notesMasterIdLst>
   <p:sldIdLst>
     <p:sldId id="256" r:id="rId2"/>
@@ -20,11 +20,10 @@
     <p:sldId id="265" r:id="rId11"/>
     <p:sldId id="266" r:id="rId12"/>
     <p:sldId id="267" r:id="rId13"/>
-    <p:sldId id="268" r:id="rId14"/>
-    <p:sldId id="269" r:id="rId15"/>
-    <p:sldId id="270" r:id="rId16"/>
-    <p:sldId id="271" r:id="rId17"/>
-    <p:sldId id="272" r:id="rId18"/>
+    <p:sldId id="269" r:id="rId14"/>
+    <p:sldId id="270" r:id="rId15"/>
+    <p:sldId id="271" r:id="rId16"/>
+    <p:sldId id="272" r:id="rId17"/>
   </p:sldIdLst>
   <p:sldSz cx="12192000" cy="6858000"/>
   <p:notesSz cx="6858000" cy="9144000"/>
@@ -213,7 +212,7 @@
           <a:p>
             <a:fld id="{90968C49-1136-4CD6-BF84-09BF06A9E6ED}" type="datetimeFigureOut">
               <a:rPr lang="en-US" smtClean="0"/>
-              <a:t>1/11/2024</a:t>
+              <a:t>1/12/2024</a:t>
             </a:fld>
             <a:endParaRPr lang="en-US"/>
           </a:p>
@@ -673,7 +672,7 @@
     </p:spTree>
     <p:extLst>
       <p:ext uri="{BB962C8B-B14F-4D97-AF65-F5344CB8AC3E}">
-        <p14:creationId xmlns:p14="http://schemas.microsoft.com/office/powerpoint/2010/main" val="2537949673"/>
+        <p14:creationId xmlns:p14="http://schemas.microsoft.com/office/powerpoint/2010/main" val="1470387725"/>
       </p:ext>
     </p:extLst>
   </p:cSld>
@@ -789,7 +788,7 @@
     </p:spTree>
     <p:extLst>
       <p:ext uri="{BB962C8B-B14F-4D97-AF65-F5344CB8AC3E}">
-        <p14:creationId xmlns:p14="http://schemas.microsoft.com/office/powerpoint/2010/main" val="1470387725"/>
+        <p14:creationId xmlns:p14="http://schemas.microsoft.com/office/powerpoint/2010/main" val="1154343098"/>
       </p:ext>
     </p:extLst>
   </p:cSld>
@@ -905,7 +904,7 @@
     </p:spTree>
     <p:extLst>
       <p:ext uri="{BB962C8B-B14F-4D97-AF65-F5344CB8AC3E}">
-        <p14:creationId xmlns:p14="http://schemas.microsoft.com/office/powerpoint/2010/main" val="1154343098"/>
+        <p14:creationId xmlns:p14="http://schemas.microsoft.com/office/powerpoint/2010/main" val="3068965389"/>
       </p:ext>
     </p:extLst>
   </p:cSld>
@@ -961,36 +960,305 @@
           <a:p>
             <a:r>
               <a:rPr lang="en-US" dirty="0"/>
-              <a:t>No violation of mutual exclusion: [] not (p8 and q8)</a:t>
+              <a:t>Peterson</a:t>
             </a:r>
           </a:p>
           <a:p>
-            <a:r>
-              <a:rPr lang="en-US" dirty="0"/>
-              <a:t>p8 and q8 -&gt; </a:t>
-            </a:r>
-            <a:r>
-              <a:rPr lang="en-US" dirty="0" err="1"/>
-              <a:t>wantp</a:t>
-            </a:r>
-            <a:r>
-              <a:rPr lang="en-US" dirty="0"/>
-              <a:t> and </a:t>
-            </a:r>
-            <a:r>
-              <a:rPr lang="en-US" dirty="0" err="1"/>
-              <a:t>wantq</a:t>
-            </a:r>
             <a:endParaRPr lang="en-US" dirty="0"/>
           </a:p>
           <a:p>
             <a:r>
+              <a:rPr lang="en-US" dirty="0"/>
+              <a:t>ME: not (p6 and q6)</a:t>
+            </a:r>
+          </a:p>
+          <a:p>
+            <a:r>
+              <a:rPr lang="en-US" dirty="0"/>
+              <a:t>p6 -&gt; </a:t>
+            </a:r>
+            <a:r>
               <a:rPr lang="en-US" dirty="0" err="1"/>
               <a:t>wantq</a:t>
             </a:r>
             <a:r>
               <a:rPr lang="en-US" dirty="0"/>
-              <a:t> implies turn = 2 and turn = 1</a:t>
+              <a:t> = false or last = 2</a:t>
+            </a:r>
+          </a:p>
+          <a:p>
+            <a:r>
+              <a:rPr lang="en-US" dirty="0"/>
+              <a:t>q6 -&gt; </a:t>
+            </a:r>
+            <a:r>
+              <a:rPr lang="en-US" dirty="0" err="1"/>
+              <a:t>wantp</a:t>
+            </a:r>
+            <a:r>
+              <a:rPr lang="en-US" dirty="0"/>
+              <a:t> = false or last = 1</a:t>
+            </a:r>
+          </a:p>
+          <a:p>
+            <a:endParaRPr lang="en-US" dirty="0"/>
+          </a:p>
+          <a:p>
+            <a:r>
+              <a:rPr lang="en-US" dirty="0"/>
+              <a:t>p6 and q6 -&gt; (</a:t>
+            </a:r>
+            <a:r>
+              <a:rPr lang="en-US" dirty="0" err="1"/>
+              <a:t>wantq</a:t>
+            </a:r>
+            <a:r>
+              <a:rPr lang="en-US" dirty="0"/>
+              <a:t> = false or last = 2) and (</a:t>
+            </a:r>
+            <a:r>
+              <a:rPr lang="en-US" dirty="0" err="1"/>
+              <a:t>wantp</a:t>
+            </a:r>
+            <a:r>
+              <a:rPr lang="en-US" dirty="0"/>
+              <a:t> = false or last = 1)</a:t>
+            </a:r>
+          </a:p>
+          <a:p>
+            <a:r>
+              <a:rPr lang="en-US" dirty="0"/>
+              <a:t>BUT p2 -&gt; </a:t>
+            </a:r>
+            <a:r>
+              <a:rPr lang="en-US" dirty="0" err="1"/>
+              <a:t>wantp</a:t>
+            </a:r>
+            <a:r>
+              <a:rPr lang="en-US" dirty="0"/>
+              <a:t> = true and </a:t>
+            </a:r>
+            <a:r>
+              <a:rPr lang="en-US" dirty="0" err="1"/>
+              <a:t>wantp</a:t>
+            </a:r>
+            <a:r>
+              <a:rPr lang="en-US" dirty="0"/>
+              <a:t> = true -&gt; p2..7</a:t>
+            </a:r>
+          </a:p>
+          <a:p>
+            <a:r>
+              <a:rPr lang="en-US" dirty="0"/>
+              <a:t>(symmetry)</a:t>
+            </a:r>
+          </a:p>
+          <a:p>
+            <a:r>
+              <a:rPr lang="en-US" dirty="0"/>
+              <a:t>so p6 and q6 really -&gt; (last = 2) and (last = 1)</a:t>
+            </a:r>
+          </a:p>
+          <a:p>
+            <a:r>
+              <a:rPr lang="en-US" dirty="0"/>
+              <a:t>a contradiction</a:t>
+            </a:r>
+          </a:p>
+          <a:p>
+            <a:endParaRPr lang="en-US" dirty="0"/>
+          </a:p>
+          <a:p>
+            <a:r>
+              <a:rPr lang="en-US" dirty="0"/>
+              <a:t>=====</a:t>
+            </a:r>
+          </a:p>
+          <a:p>
+            <a:endParaRPr lang="en-US" dirty="0"/>
+          </a:p>
+          <a:p>
+            <a:r>
+              <a:rPr lang="en-US" dirty="0"/>
+              <a:t>Starvation: p2 -&gt; &lt;&gt; p6</a:t>
+            </a:r>
+          </a:p>
+          <a:p>
+            <a:endParaRPr lang="en-US" dirty="0"/>
+          </a:p>
+          <a:p>
+            <a:r>
+              <a:rPr lang="en-US" dirty="0"/>
+              <a:t>suppose p2 -&gt; not &lt;&gt; p6, then []p4..5</a:t>
+            </a:r>
+          </a:p>
+          <a:p>
+            <a:r>
+              <a:rPr lang="en-US" dirty="0"/>
+              <a:t>Case 1: []p4..5 if []q1</a:t>
+            </a:r>
+          </a:p>
+          <a:p>
+            <a:r>
+              <a:rPr lang="en-US" dirty="0"/>
+              <a:t>[]p4..5 -&gt; </a:t>
+            </a:r>
+            <a:r>
+              <a:rPr lang="en-US" dirty="0" err="1"/>
+              <a:t>wantq</a:t>
+            </a:r>
+            <a:r>
+              <a:rPr lang="en-US" dirty="0"/>
+              <a:t> = true and last = 1</a:t>
+            </a:r>
+          </a:p>
+          <a:p>
+            <a:r>
+              <a:rPr lang="en-US" dirty="0"/>
+              <a:t>but []q1 -&gt; [] </a:t>
+            </a:r>
+            <a:r>
+              <a:rPr lang="en-US" dirty="0" err="1"/>
+              <a:t>wantq</a:t>
+            </a:r>
+            <a:r>
+              <a:rPr lang="en-US" dirty="0"/>
+              <a:t> = false</a:t>
+            </a:r>
+          </a:p>
+          <a:p>
+            <a:r>
+              <a:rPr lang="en-US" dirty="0"/>
+              <a:t>a contradiction</a:t>
+            </a:r>
+          </a:p>
+          <a:p>
+            <a:endParaRPr lang="en-US" dirty="0"/>
+          </a:p>
+          <a:p>
+            <a:r>
+              <a:rPr lang="en-US" dirty="0"/>
+              <a:t>Case 2: []p4..5 if not []q1</a:t>
+            </a:r>
+          </a:p>
+          <a:p>
+            <a:r>
+              <a:rPr lang="en-US" dirty="0"/>
+              <a:t>not []q1 -&gt; &lt;&gt; </a:t>
+            </a:r>
+            <a:r>
+              <a:rPr lang="en-US" dirty="0" err="1"/>
+              <a:t>wantq</a:t>
+            </a:r>
+            <a:r>
+              <a:rPr lang="en-US" dirty="0"/>
+              <a:t> = true</a:t>
+            </a:r>
+          </a:p>
+          <a:p>
+            <a:r>
+              <a:rPr lang="en-US" dirty="0"/>
+              <a:t>[]p4..5 -&gt; </a:t>
+            </a:r>
+            <a:r>
+              <a:rPr lang="en-US" dirty="0" err="1"/>
+              <a:t>wantq</a:t>
+            </a:r>
+            <a:r>
+              <a:rPr lang="en-US" dirty="0"/>
+              <a:t> = true and last = 1</a:t>
+            </a:r>
+          </a:p>
+          <a:p>
+            <a:r>
+              <a:rPr lang="en-US" dirty="0"/>
+              <a:t>[]p4..5 -&gt; </a:t>
+            </a:r>
+            <a:r>
+              <a:rPr lang="en-US" dirty="0" err="1"/>
+              <a:t>wantp</a:t>
+            </a:r>
+            <a:r>
+              <a:rPr lang="en-US" dirty="0"/>
+              <a:t> = true because p2 -&gt; </a:t>
+            </a:r>
+            <a:r>
+              <a:rPr lang="en-US" dirty="0" err="1"/>
+              <a:t>wantp</a:t>
+            </a:r>
+            <a:r>
+              <a:rPr lang="en-US" dirty="0"/>
+              <a:t> = true and </a:t>
+            </a:r>
+            <a:r>
+              <a:rPr lang="en-US" dirty="0" err="1"/>
+              <a:t>wantp</a:t>
+            </a:r>
+            <a:r>
+              <a:rPr lang="en-US" dirty="0"/>
+              <a:t> = true -&gt; p2..7</a:t>
+            </a:r>
+          </a:p>
+          <a:p>
+            <a:r>
+              <a:rPr lang="en-US" dirty="0"/>
+              <a:t>But then q4..5 and </a:t>
+            </a:r>
+            <a:r>
+              <a:rPr lang="en-US" dirty="0" err="1"/>
+              <a:t>wantp</a:t>
+            </a:r>
+            <a:r>
+              <a:rPr lang="en-US" dirty="0"/>
+              <a:t> = true and </a:t>
+            </a:r>
+            <a:r>
+              <a:rPr lang="en-US" dirty="0" err="1"/>
+              <a:t>wantq</a:t>
+            </a:r>
+            <a:r>
+              <a:rPr lang="en-US" dirty="0"/>
+              <a:t> = true and last = 1 -&gt; &lt;&gt; q6</a:t>
+            </a:r>
+          </a:p>
+          <a:p>
+            <a:r>
+              <a:rPr lang="en-US" dirty="0"/>
+              <a:t>q6 -&gt; &lt;&gt; q7</a:t>
+            </a:r>
+          </a:p>
+          <a:p>
+            <a:r>
+              <a:rPr lang="en-US" dirty="0"/>
+              <a:t>q7 -&gt; &lt;&gt; </a:t>
+            </a:r>
+            <a:r>
+              <a:rPr lang="en-US" dirty="0" err="1"/>
+              <a:t>qantq</a:t>
+            </a:r>
+            <a:r>
+              <a:rPr lang="en-US" dirty="0"/>
+              <a:t> = false</a:t>
+            </a:r>
+          </a:p>
+          <a:p>
+            <a:r>
+              <a:rPr lang="en-US" dirty="0"/>
+              <a:t>so []p4..5 and </a:t>
+            </a:r>
+            <a:r>
+              <a:rPr lang="en-US" dirty="0" err="1"/>
+              <a:t>wantq</a:t>
+            </a:r>
+            <a:r>
+              <a:rPr lang="en-US" dirty="0"/>
+              <a:t> = true and last = 1 -&gt; &lt;&gt; p6</a:t>
+            </a:r>
+          </a:p>
+          <a:p>
+            <a:r>
+              <a:rPr lang="en-US" dirty="0"/>
+              <a:t>a contradiction</a:t>
             </a:r>
           </a:p>
         </p:txBody>
@@ -1021,7 +1289,7 @@
     </p:spTree>
     <p:extLst>
       <p:ext uri="{BB962C8B-B14F-4D97-AF65-F5344CB8AC3E}">
-        <p14:creationId xmlns:p14="http://schemas.microsoft.com/office/powerpoint/2010/main" val="3068965389"/>
+        <p14:creationId xmlns:p14="http://schemas.microsoft.com/office/powerpoint/2010/main" val="3645271535"/>
       </p:ext>
     </p:extLst>
   </p:cSld>
@@ -1936,7 +2204,7 @@
           <a:p>
             <a:fld id="{11008460-8B2F-4AAA-A4E2-10730069204C}" type="datetimeFigureOut">
               <a:rPr lang="en-US" smtClean="0"/>
-              <a:t>1/11/2024</a:t>
+              <a:t>1/12/2024</a:t>
             </a:fld>
             <a:endParaRPr lang="en-US"/>
           </a:p>
@@ -4280,7 +4548,7 @@
           <a:p>
             <a:fld id="{11008460-8B2F-4AAA-A4E2-10730069204C}" type="datetimeFigureOut">
               <a:rPr lang="en-US" smtClean="0"/>
-              <a:t>1/11/2024</a:t>
+              <a:t>1/12/2024</a:t>
             </a:fld>
             <a:endParaRPr lang="en-US"/>
           </a:p>
@@ -6624,7 +6892,7 @@
           <a:p>
             <a:fld id="{11008460-8B2F-4AAA-A4E2-10730069204C}" type="datetimeFigureOut">
               <a:rPr lang="en-US" smtClean="0"/>
-              <a:t>1/11/2024</a:t>
+              <a:t>1/12/2024</a:t>
             </a:fld>
             <a:endParaRPr lang="en-US"/>
           </a:p>
@@ -7066,7 +7334,7 @@
           <a:p>
             <a:fld id="{11008460-8B2F-4AAA-A4E2-10730069204C}" type="datetimeFigureOut">
               <a:rPr lang="en-US" smtClean="0"/>
-              <a:t>1/11/2024</a:t>
+              <a:t>1/12/2024</a:t>
             </a:fld>
             <a:endParaRPr lang="en-US"/>
           </a:p>
@@ -7339,7 +7607,7 @@
           <a:p>
             <a:fld id="{11008460-8B2F-4AAA-A4E2-10730069204C}" type="datetimeFigureOut">
               <a:rPr lang="en-US" smtClean="0"/>
-              <a:t>1/11/2024</a:t>
+              <a:t>1/12/2024</a:t>
             </a:fld>
             <a:endParaRPr lang="en-US"/>
           </a:p>
@@ -7604,7 +7872,7 @@
           <a:p>
             <a:fld id="{11008460-8B2F-4AAA-A4E2-10730069204C}" type="datetimeFigureOut">
               <a:rPr lang="en-US" smtClean="0"/>
-              <a:t>1/11/2024</a:t>
+              <a:t>1/12/2024</a:t>
             </a:fld>
             <a:endParaRPr lang="en-US"/>
           </a:p>
@@ -8020,7 +8288,7 @@
           <a:p>
             <a:fld id="{11008460-8B2F-4AAA-A4E2-10730069204C}" type="datetimeFigureOut">
               <a:rPr lang="en-US" smtClean="0"/>
-              <a:t>1/11/2024</a:t>
+              <a:t>1/12/2024</a:t>
             </a:fld>
             <a:endParaRPr lang="en-US"/>
           </a:p>
@@ -8161,7 +8429,7 @@
           <a:p>
             <a:fld id="{11008460-8B2F-4AAA-A4E2-10730069204C}" type="datetimeFigureOut">
               <a:rPr lang="en-US" smtClean="0"/>
-              <a:t>1/11/2024</a:t>
+              <a:t>1/12/2024</a:t>
             </a:fld>
             <a:endParaRPr lang="en-US"/>
           </a:p>
@@ -8274,7 +8542,7 @@
           <a:p>
             <a:fld id="{11008460-8B2F-4AAA-A4E2-10730069204C}" type="datetimeFigureOut">
               <a:rPr lang="en-US" smtClean="0"/>
-              <a:t>1/11/2024</a:t>
+              <a:t>1/12/2024</a:t>
             </a:fld>
             <a:endParaRPr lang="en-US"/>
           </a:p>
@@ -8585,7 +8853,7 @@
           <a:p>
             <a:fld id="{11008460-8B2F-4AAA-A4E2-10730069204C}" type="datetimeFigureOut">
               <a:rPr lang="en-US" smtClean="0"/>
-              <a:t>1/11/2024</a:t>
+              <a:t>1/12/2024</a:t>
             </a:fld>
             <a:endParaRPr lang="en-US"/>
           </a:p>
@@ -8873,7 +9141,7 @@
           <a:p>
             <a:fld id="{11008460-8B2F-4AAA-A4E2-10730069204C}" type="datetimeFigureOut">
               <a:rPr lang="en-US" smtClean="0"/>
-              <a:t>1/11/2024</a:t>
+              <a:t>1/12/2024</a:t>
             </a:fld>
             <a:endParaRPr lang="en-US"/>
           </a:p>
@@ -11251,7 +11519,7 @@
             <a:fld id="{11008460-8B2F-4AAA-A4E2-10730069204C}" type="datetimeFigureOut">
               <a:rPr lang="en-US" smtClean="0"/>
               <a:pPr/>
-              <a:t>1/11/2024</a:t>
+              <a:t>1/12/2024</a:t>
             </a:fld>
             <a:endParaRPr lang="en-US" dirty="0"/>
           </a:p>
@@ -14031,7 +14299,7 @@
         <p:spPr>
           <a:xfrm>
             <a:off x="966744" y="138950"/>
-            <a:ext cx="9076329" cy="1064277"/>
+            <a:ext cx="9667389" cy="1064277"/>
           </a:xfrm>
         </p:spPr>
         <p:txBody>
@@ -14115,7 +14383,7 @@
               <a:rPr lang="de-DE" altLang="en-US" dirty="0">
                 <a:sym typeface="Wingdings" panose="05000000000000000000" pitchFamily="2" charset="2"/>
               </a:rPr>
-              <a:t>Thus...</a:t>
+              <a:t>Prove:</a:t>
             </a:r>
             <a:endParaRPr lang="de-DE" altLang="en-US" dirty="0"/>
           </a:p>
@@ -14136,7 +14404,7 @@
           <p:nvPr>
             <p:extLst>
               <p:ext uri="{D42A27DB-BD31-4B8C-83A1-F6EECF244321}">
-                <p14:modId xmlns:p14="http://schemas.microsoft.com/office/powerpoint/2010/main" val="1864019753"/>
+                <p14:modId xmlns:p14="http://schemas.microsoft.com/office/powerpoint/2010/main" val="1381675046"/>
               </p:ext>
             </p:extLst>
           </p:nvPr>
@@ -15214,7 +15482,7 @@
                         <a:tabLst/>
                       </a:pPr>
                       <a:r>
-                        <a:rPr kumimoji="0" lang="en-US" sz="2800" b="0" i="0" u="none" strike="noStrike" cap="none" normalizeH="0" baseline="0">
+                        <a:rPr kumimoji="0" lang="en-US" sz="2800" b="0" i="0" u="none" strike="noStrike" cap="none" normalizeH="0" baseline="0" dirty="0">
                           <a:ln>
                             <a:noFill/>
                           </a:ln>
@@ -15225,7 +15493,35 @@
                           <a:latin typeface="Arial" charset="0"/>
                           <a:ea typeface="ＭＳ Ｐゴシック" pitchFamily="-128" charset="-128"/>
                         </a:rPr>
-                        <a:t>Await wantp=false</a:t>
+                        <a:t>q3: Await </a:t>
+                      </a:r>
+                      <a:r>
+                        <a:rPr kumimoji="0" lang="en-US" sz="2800" b="0" i="0" u="none" strike="noStrike" cap="none" normalizeH="0" baseline="0" dirty="0" err="1">
+                          <a:ln>
+                            <a:noFill/>
+                          </a:ln>
+                          <a:solidFill>
+                            <a:schemeClr val="tx1"/>
+                          </a:solidFill>
+                          <a:effectLst/>
+                          <a:latin typeface="Arial" charset="0"/>
+                          <a:ea typeface="ＭＳ Ｐゴシック" pitchFamily="-128" charset="-128"/>
+                        </a:rPr>
+                        <a:t>wantp</a:t>
+                      </a:r>
+                      <a:r>
+                        <a:rPr kumimoji="0" lang="en-US" sz="2800" b="0" i="0" u="none" strike="noStrike" cap="none" normalizeH="0" baseline="0" dirty="0">
+                          <a:ln>
+                            <a:noFill/>
+                          </a:ln>
+                          <a:solidFill>
+                            <a:schemeClr val="tx1"/>
+                          </a:solidFill>
+                          <a:effectLst/>
+                          <a:latin typeface="Arial" charset="0"/>
+                          <a:ea typeface="ＭＳ Ｐゴシック" pitchFamily="-128" charset="-128"/>
+                        </a:rPr>
+                        <a:t>=false</a:t>
                       </a:r>
                     </a:p>
                   </a:txBody>
@@ -15738,14 +16034,14 @@
           <p:nvPr>
             <p:extLst>
               <p:ext uri="{D42A27DB-BD31-4B8C-83A1-F6EECF244321}">
-                <p14:modId xmlns:p14="http://schemas.microsoft.com/office/powerpoint/2010/main" val="2166859986"/>
+                <p14:modId xmlns:p14="http://schemas.microsoft.com/office/powerpoint/2010/main" val="325896988"/>
               </p:ext>
             </p:extLst>
           </p:nvPr>
         </p:nvGraphicFramePr>
         <p:xfrm>
-          <a:off x="549055" y="3168518"/>
-          <a:ext cx="3200400" cy="954088"/>
+          <a:off x="1727199" y="2547629"/>
+          <a:ext cx="1514255" cy="451422"/>
         </p:xfrm>
         <a:graphic>
           <a:graphicData uri="http://schemas.openxmlformats.org/presentationml/2006/ole">
@@ -15787,8 +16083,8 @@
                     </p:blipFill>
                     <p:spPr bwMode="auto">
                       <a:xfrm>
-                        <a:off x="549055" y="3168518"/>
-                        <a:ext cx="3200400" cy="954088"/>
+                        <a:off x="1727199" y="2547629"/>
+                        <a:ext cx="1514255" cy="451422"/>
                       </a:xfrm>
                       <a:prstGeom prst="rect">
                         <a:avLst/>
@@ -15798,34 +16094,6 @@
                         <a:noFill/>
                       </a:ln>
                       <a:effectLst/>
-                      <a:extLst>
-                        <a:ext uri="{909E8E84-426E-40DD-AFC4-6F175D3DCCD1}">
-                          <a14:hiddenFill xmlns:a14="http://schemas.microsoft.com/office/drawing/2010/main">
-                            <a:solidFill>
-                              <a:srgbClr val="FFFFFF"/>
-                            </a:solidFill>
-                          </a14:hiddenFill>
-                        </a:ext>
-                        <a:ext uri="{91240B29-F687-4F45-9708-019B960494DF}">
-                          <a14:hiddenLine xmlns:a14="http://schemas.microsoft.com/office/drawing/2010/main" w="9525">
-                            <a:solidFill>
-                              <a:srgbClr val="000000"/>
-                            </a:solidFill>
-                            <a:miter lim="800000"/>
-                            <a:headEnd/>
-                            <a:tailEnd/>
-                          </a14:hiddenLine>
-                        </a:ext>
-                        <a:ext uri="{AF507438-7753-43E0-B8FC-AC1667EBCBE1}">
-                          <a14:hiddenEffects xmlns:a14="http://schemas.microsoft.com/office/drawing/2010/main">
-                            <a:effectLst>
-                              <a:outerShdw dist="35921" dir="2700000" algn="ctr" rotWithShape="0">
-                                <a:srgbClr val="808080"/>
-                              </a:outerShdw>
-                            </a:effectLst>
-                          </a14:hiddenEffects>
-                        </a:ext>
-                      </a:extLst>
                     </p:spPr>
                   </p:pic>
                 </p:oleObj>
@@ -15866,41 +16134,6 @@
       </p:grpSpPr>
       <p:sp>
         <p:nvSpPr>
-          <p:cNvPr id="2" name="Title 1">
-            <a:extLst>
-              <a:ext uri="{FF2B5EF4-FFF2-40B4-BE49-F238E27FC236}">
-                <a16:creationId xmlns:a16="http://schemas.microsoft.com/office/drawing/2014/main" id="{0C50A3BF-B88B-9A7C-DAAD-2F2CC489DDFE}"/>
-              </a:ext>
-            </a:extLst>
-          </p:cNvPr>
-          <p:cNvSpPr>
-            <a:spLocks noGrp="1"/>
-          </p:cNvSpPr>
-          <p:nvPr>
-            <p:ph type="title"/>
-          </p:nvPr>
-        </p:nvSpPr>
-        <p:spPr>
-          <a:xfrm>
-            <a:off x="966744" y="138950"/>
-            <a:ext cx="9076329" cy="1064277"/>
-          </a:xfrm>
-        </p:spPr>
-        <p:txBody>
-          <a:bodyPr>
-            <a:normAutofit fontScale="90000"/>
-          </a:bodyPr>
-          <a:lstStyle/>
-          <a:p>
-            <a:r>
-              <a:rPr lang="en-US" dirty="0"/>
-              <a:t>Proof of Mutual Exclusion in Ben-Ari “Attempt #3”</a:t>
-            </a:r>
-          </a:p>
-        </p:txBody>
-      </p:sp>
-      <p:sp>
-        <p:nvSpPr>
           <p:cNvPr id="3" name="Content Placeholder 2">
             <a:extLst>
               <a:ext uri="{FF2B5EF4-FFF2-40B4-BE49-F238E27FC236}">
@@ -15917,24 +16150,26 @@
         </p:nvSpPr>
         <p:spPr>
           <a:xfrm>
-            <a:off x="549055" y="1203227"/>
-            <a:ext cx="9076329" cy="3650155"/>
+            <a:off x="549056" y="1203227"/>
+            <a:ext cx="3424634" cy="5400773"/>
           </a:xfrm>
         </p:spPr>
         <p:txBody>
-          <a:bodyPr/>
+          <a:bodyPr>
+            <a:normAutofit/>
+          </a:bodyPr>
           <a:lstStyle/>
           <a:p>
             <a:r>
               <a:rPr lang="de-DE" altLang="en-US" dirty="0"/>
-              <a:t>Ben-Ari shows this in steps:</a:t>
-            </a:r>
-          </a:p>
-          <a:p>
-            <a:pPr lvl="2"/>
-            <a:r>
+              <a:t>Lemma 4.1: Invariant: </a:t>
+            </a:r>
+            <a:br>
               <a:rPr lang="de-DE" altLang="en-US" dirty="0"/>
-              <a:t>Lemma 4.1: Invariant: P3..5 </a:t>
+            </a:br>
+            <a:r>
+              <a:rPr lang="de-DE" altLang="en-US" dirty="0"/>
+              <a:t>p3..5 </a:t>
             </a:r>
             <a:r>
               <a:rPr lang="de-DE" altLang="en-US" dirty="0">
@@ -15942,6 +16177,140 @@
               </a:rPr>
               <a:t> wantp</a:t>
             </a:r>
+          </a:p>
+          <a:p>
+            <a:pPr eaLnBrk="1" hangingPunct="1">
+              <a:lnSpc>
+                <a:spcPct val="80000"/>
+              </a:lnSpc>
+            </a:pPr>
+            <a:r>
+              <a:rPr lang="en-US" altLang="en-US" sz="1600" dirty="0"/>
+              <a:t>Base Case: p1 is not p3..5, so trivially true since the antecedent is false.</a:t>
+            </a:r>
+          </a:p>
+          <a:p>
+            <a:pPr eaLnBrk="1" hangingPunct="1">
+              <a:lnSpc>
+                <a:spcPct val="80000"/>
+              </a:lnSpc>
+            </a:pPr>
+            <a:r>
+              <a:rPr lang="en-US" altLang="en-US" sz="1600" dirty="0"/>
+              <a:t>Inductive Case </a:t>
+            </a:r>
+          </a:p>
+          <a:p>
+            <a:pPr lvl="2">
+              <a:lnSpc>
+                <a:spcPct val="80000"/>
+              </a:lnSpc>
+            </a:pPr>
+            <a:r>
+              <a:rPr lang="en-US" altLang="en-US" dirty="0"/>
+              <a:t>p1 and p2 render the antecedent false, so the implication is true.</a:t>
+            </a:r>
+          </a:p>
+          <a:p>
+            <a:pPr lvl="2">
+              <a:lnSpc>
+                <a:spcPct val="80000"/>
+              </a:lnSpc>
+            </a:pPr>
+            <a:r>
+              <a:rPr lang="en-US" altLang="en-US" dirty="0"/>
+              <a:t>After executing p2 and entering p3, p3..5 becomes true, so </a:t>
+            </a:r>
+            <a:r>
+              <a:rPr lang="en-US" altLang="en-US" dirty="0" err="1"/>
+              <a:t>wantp</a:t>
+            </a:r>
+            <a:r>
+              <a:rPr lang="en-US" altLang="en-US" dirty="0"/>
+              <a:t> must be true to uphold the implication. p2 sets </a:t>
+            </a:r>
+            <a:r>
+              <a:rPr lang="en-US" altLang="en-US" dirty="0" err="1"/>
+              <a:t>wantp</a:t>
+            </a:r>
+            <a:r>
+              <a:rPr lang="en-US" altLang="en-US" dirty="0"/>
+              <a:t> to true, so p3 </a:t>
+            </a:r>
+            <a:r>
+              <a:rPr lang="en-US" altLang="en-US" dirty="0">
+                <a:sym typeface="Wingdings" panose="05000000000000000000" pitchFamily="2" charset="2"/>
+              </a:rPr>
+              <a:t> </a:t>
+            </a:r>
+            <a:r>
+              <a:rPr lang="en-US" altLang="en-US" dirty="0" err="1">
+                <a:sym typeface="Wingdings" panose="05000000000000000000" pitchFamily="2" charset="2"/>
+              </a:rPr>
+              <a:t>wantp</a:t>
+            </a:r>
+            <a:r>
+              <a:rPr lang="en-US" altLang="en-US" dirty="0">
+                <a:sym typeface="Wingdings" panose="05000000000000000000" pitchFamily="2" charset="2"/>
+              </a:rPr>
+              <a:t> and the implication holds.</a:t>
+            </a:r>
+            <a:endParaRPr lang="en-US" altLang="en-US" dirty="0"/>
+          </a:p>
+          <a:p>
+            <a:pPr lvl="2">
+              <a:lnSpc>
+                <a:spcPct val="80000"/>
+              </a:lnSpc>
+            </a:pPr>
+            <a:r>
+              <a:rPr lang="en-US" altLang="en-US" dirty="0"/>
+              <a:t>Entering p4, the antecedent p3..5 is true, but </a:t>
+            </a:r>
+            <a:r>
+              <a:rPr lang="en-US" altLang="en-US" dirty="0" err="1"/>
+              <a:t>wantp</a:t>
+            </a:r>
+            <a:r>
+              <a:rPr lang="en-US" altLang="en-US" dirty="0"/>
+              <a:t> remains true.</a:t>
+            </a:r>
+          </a:p>
+          <a:p>
+            <a:pPr lvl="2">
+              <a:lnSpc>
+                <a:spcPct val="80000"/>
+              </a:lnSpc>
+            </a:pPr>
+            <a:r>
+              <a:rPr lang="en-US" altLang="en-US" dirty="0"/>
+              <a:t>Same for entering p5.</a:t>
+            </a:r>
+          </a:p>
+          <a:p>
+            <a:pPr lvl="2">
+              <a:lnSpc>
+                <a:spcPct val="80000"/>
+              </a:lnSpc>
+            </a:pPr>
+            <a:r>
+              <a:rPr lang="en-US" altLang="en-US" dirty="0"/>
+              <a:t>If we execute line p5 and back to p1, then p3..5 is false.  Even though </a:t>
+            </a:r>
+            <a:r>
+              <a:rPr lang="en-US" altLang="en-US" dirty="0" err="1"/>
+              <a:t>wantp</a:t>
+            </a:r>
+            <a:r>
+              <a:rPr lang="en-US" altLang="en-US" dirty="0"/>
+              <a:t> becomes false, the antecedent also becomes false, which upholds the implication.  </a:t>
+            </a:r>
+          </a:p>
+          <a:p>
+            <a:pPr lvl="2"/>
+            <a:endParaRPr lang="de-DE" altLang="en-US" dirty="0">
+              <a:sym typeface="Wingdings" panose="05000000000000000000" pitchFamily="2" charset="2"/>
+            </a:endParaRPr>
           </a:p>
           <a:p>
             <a:pPr lvl="4"/>
@@ -15966,7 +16335,7 @@
           <p:nvPr>
             <p:extLst>
               <p:ext uri="{D42A27DB-BD31-4B8C-83A1-F6EECF244321}">
-                <p14:modId xmlns:p14="http://schemas.microsoft.com/office/powerpoint/2010/main" val="4263196337"/>
+                <p14:modId xmlns:p14="http://schemas.microsoft.com/office/powerpoint/2010/main" val="1895909153"/>
               </p:ext>
             </p:extLst>
           </p:nvPr>
@@ -17102,7 +17471,7 @@
                         <a:tabLst/>
                       </a:pPr>
                       <a:r>
-                        <a:rPr kumimoji="0" lang="en-US" sz="2800" b="0" i="0" u="none" strike="noStrike" cap="none" normalizeH="0" baseline="0">
+                        <a:rPr kumimoji="0" lang="en-US" sz="2800" b="0" i="0" u="none" strike="noStrike" cap="none" normalizeH="0" baseline="0" dirty="0">
                           <a:ln>
                             <a:noFill/>
                           </a:ln>
@@ -17113,7 +17482,35 @@
                           <a:latin typeface="Arial" charset="0"/>
                           <a:ea typeface="ＭＳ Ｐゴシック" pitchFamily="-128" charset="-128"/>
                         </a:rPr>
-                        <a:t>Await wantp=false</a:t>
+                        <a:t>q3: Await </a:t>
+                      </a:r>
+                      <a:r>
+                        <a:rPr kumimoji="0" lang="en-US" sz="2800" b="0" i="0" u="none" strike="noStrike" cap="none" normalizeH="0" baseline="0" dirty="0" err="1">
+                          <a:ln>
+                            <a:noFill/>
+                          </a:ln>
+                          <a:solidFill>
+                            <a:schemeClr val="tx1"/>
+                          </a:solidFill>
+                          <a:effectLst/>
+                          <a:latin typeface="Arial" charset="0"/>
+                          <a:ea typeface="ＭＳ Ｐゴシック" pitchFamily="-128" charset="-128"/>
+                        </a:rPr>
+                        <a:t>wantp</a:t>
+                      </a:r>
+                      <a:r>
+                        <a:rPr kumimoji="0" lang="en-US" sz="2800" b="0" i="0" u="none" strike="noStrike" cap="none" normalizeH="0" baseline="0" dirty="0">
+                          <a:ln>
+                            <a:noFill/>
+                          </a:ln>
+                          <a:solidFill>
+                            <a:schemeClr val="tx1"/>
+                          </a:solidFill>
+                          <a:effectLst/>
+                          <a:latin typeface="Arial" charset="0"/>
+                          <a:ea typeface="ＭＳ Ｐゴシック" pitchFamily="-128" charset="-128"/>
+                        </a:rPr>
+                        <a:t>=false</a:t>
                       </a:r>
                     </a:p>
                   </a:txBody>
@@ -17611,93 +18008,64 @@
           </a:graphicData>
         </a:graphic>
       </p:graphicFrame>
-      <p:graphicFrame>
-        <p:nvGraphicFramePr>
-          <p:cNvPr id="6" name="Object 4">
+      <p:sp>
+        <p:nvSpPr>
+          <p:cNvPr id="7" name="Title 1">
             <a:extLst>
               <a:ext uri="{FF2B5EF4-FFF2-40B4-BE49-F238E27FC236}">
-                <a16:creationId xmlns:a16="http://schemas.microsoft.com/office/drawing/2014/main" id="{5F67CD11-D7B0-45D7-A119-5F1A51115D2C}"/>
+                <a16:creationId xmlns:a16="http://schemas.microsoft.com/office/drawing/2014/main" id="{81EB9D43-4CAB-BFD7-C360-44B52E8552B1}"/>
               </a:ext>
             </a:extLst>
           </p:cNvPr>
-          <p:cNvGraphicFramePr>
-            <a:graphicFrameLocks noChangeAspect="1"/>
-          </p:cNvGraphicFramePr>
-          <p:nvPr>
-            <p:extLst>
-              <p:ext uri="{D42A27DB-BD31-4B8C-83A1-F6EECF244321}">
-                <p14:modId xmlns:p14="http://schemas.microsoft.com/office/powerpoint/2010/main" val="1606792318"/>
-              </p:ext>
-            </p:extLst>
-          </p:nvPr>
-        </p:nvGraphicFramePr>
-        <p:xfrm>
-          <a:off x="549055" y="5415275"/>
-          <a:ext cx="6218899" cy="1303775"/>
-        </p:xfrm>
-        <a:graphic>
-          <a:graphicData uri="http://schemas.openxmlformats.org/presentationml/2006/ole">
-            <mc:AlternateContent xmlns:mc="http://schemas.openxmlformats.org/markup-compatibility/2006">
-              <mc:Choice xmlns:v="urn:schemas-microsoft-com:vml" Requires="v">
-                <p:oleObj name="Equation" r:id="rId3" imgW="4241800" imgH="889000" progId="Equation.3">
-                  <p:embed/>
-                </p:oleObj>
-              </mc:Choice>
-              <mc:Fallback>
-                <p:oleObj name="Equation" r:id="rId3" imgW="4241800" imgH="889000" progId="Equation.3">
-                  <p:embed/>
-                  <p:pic>
-                    <p:nvPicPr>
-                      <p:cNvPr id="11268" name="Object 4">
-                        <a:extLst>
-                          <a:ext uri="{FF2B5EF4-FFF2-40B4-BE49-F238E27FC236}">
-                            <a16:creationId xmlns:a16="http://schemas.microsoft.com/office/drawing/2014/main" id="{530213B0-6819-2888-492C-27519DFECC95}"/>
-                          </a:ext>
-                        </a:extLst>
-                      </p:cNvPr>
-                      <p:cNvPicPr>
-                        <a:picLocks noChangeAspect="1" noChangeArrowheads="1"/>
-                      </p:cNvPicPr>
-                      <p:nvPr/>
-                    </p:nvPicPr>
-                    <p:blipFill>
-                      <a:blip r:embed="rId4">
-                        <a:extLst>
-                          <a:ext uri="{28A0092B-C50C-407E-A947-70E740481C1C}">
-                            <a14:useLocalDpi xmlns:a14="http://schemas.microsoft.com/office/drawing/2010/main" val="0"/>
-                          </a:ext>
-                        </a:extLst>
-                      </a:blip>
-                      <a:srcRect/>
-                      <a:stretch>
-                        <a:fillRect/>
-                      </a:stretch>
-                    </p:blipFill>
-                    <p:spPr bwMode="auto">
-                      <a:xfrm>
-                        <a:off x="549055" y="5415275"/>
-                        <a:ext cx="6218899" cy="1303775"/>
-                      </a:xfrm>
-                      <a:prstGeom prst="rect">
-                        <a:avLst/>
-                      </a:prstGeom>
-                      <a:noFill/>
-                      <a:ln>
-                        <a:noFill/>
-                      </a:ln>
-                      <a:effectLst/>
-                    </p:spPr>
-                  </p:pic>
-                </p:oleObj>
-              </mc:Fallback>
-            </mc:AlternateContent>
-          </a:graphicData>
-        </a:graphic>
-      </p:graphicFrame>
+          <p:cNvSpPr txBox="1">
+            <a:spLocks/>
+          </p:cNvSpPr>
+          <p:nvPr/>
+        </p:nvSpPr>
+        <p:spPr>
+          <a:xfrm>
+            <a:off x="966744" y="-120697"/>
+            <a:ext cx="9667389" cy="1064277"/>
+          </a:xfrm>
+          <a:prstGeom prst="rect">
+            <a:avLst/>
+          </a:prstGeom>
+        </p:spPr>
+        <p:txBody>
+          <a:bodyPr vert="horz" lIns="91440" tIns="45720" rIns="91440" bIns="45720" rtlCol="0" anchor="ctr">
+            <a:normAutofit fontScale="90000"/>
+          </a:bodyPr>
+          <a:lstStyle>
+            <a:lvl1pPr algn="l" defTabSz="914400" rtl="0" eaLnBrk="1" latinLnBrk="0" hangingPunct="1">
+              <a:lnSpc>
+                <a:spcPct val="100000"/>
+              </a:lnSpc>
+              <a:spcBef>
+                <a:spcPct val="0"/>
+              </a:spcBef>
+              <a:buNone/>
+              <a:defRPr sz="4000" kern="1200">
+                <a:solidFill>
+                  <a:schemeClr val="tx2"/>
+                </a:solidFill>
+                <a:latin typeface="+mj-lt"/>
+                <a:ea typeface="+mj-ea"/>
+                <a:cs typeface="+mj-cs"/>
+              </a:defRPr>
+            </a:lvl1pPr>
+          </a:lstStyle>
+          <a:p>
+            <a:r>
+              <a:rPr lang="en-US" dirty="0"/>
+              <a:t>Proof of Mutual Exclusion in Ben-Ari “Attempt #3”</a:t>
+            </a:r>
+          </a:p>
+        </p:txBody>
+      </p:sp>
     </p:spTree>
     <p:extLst>
       <p:ext uri="{BB962C8B-B14F-4D97-AF65-F5344CB8AC3E}">
-        <p14:creationId xmlns:p14="http://schemas.microsoft.com/office/powerpoint/2010/main" val="1645983112"/>
+        <p14:creationId xmlns:p14="http://schemas.microsoft.com/office/powerpoint/2010/main" val="2061212501"/>
       </p:ext>
     </p:extLst>
   </p:cSld>
@@ -17726,41 +18094,6 @@
       </p:grpSpPr>
       <p:sp>
         <p:nvSpPr>
-          <p:cNvPr id="2" name="Title 1">
-            <a:extLst>
-              <a:ext uri="{FF2B5EF4-FFF2-40B4-BE49-F238E27FC236}">
-                <a16:creationId xmlns:a16="http://schemas.microsoft.com/office/drawing/2014/main" id="{0C50A3BF-B88B-9A7C-DAAD-2F2CC489DDFE}"/>
-              </a:ext>
-            </a:extLst>
-          </p:cNvPr>
-          <p:cNvSpPr>
-            <a:spLocks noGrp="1"/>
-          </p:cNvSpPr>
-          <p:nvPr>
-            <p:ph type="title"/>
-          </p:nvPr>
-        </p:nvSpPr>
-        <p:spPr>
-          <a:xfrm>
-            <a:off x="966744" y="138950"/>
-            <a:ext cx="9076329" cy="1064277"/>
-          </a:xfrm>
-        </p:spPr>
-        <p:txBody>
-          <a:bodyPr>
-            <a:normAutofit fontScale="90000"/>
-          </a:bodyPr>
-          <a:lstStyle/>
-          <a:p>
-            <a:r>
-              <a:rPr lang="en-US" dirty="0"/>
-              <a:t>Proof of Mutual Exclusion in Ben-Ari “Attempt #3”</a:t>
-            </a:r>
-          </a:p>
-        </p:txBody>
-      </p:sp>
-      <p:sp>
-        <p:nvSpPr>
           <p:cNvPr id="3" name="Content Placeholder 2">
             <a:extLst>
               <a:ext uri="{FF2B5EF4-FFF2-40B4-BE49-F238E27FC236}">
@@ -17783,19 +18116,26 @@
         </p:spPr>
         <p:txBody>
           <a:bodyPr>
-            <a:normAutofit lnSpcReduction="10000"/>
+            <a:normAutofit/>
           </a:bodyPr>
           <a:lstStyle/>
           <a:p>
             <a:r>
               <a:rPr lang="de-DE" altLang="en-US" dirty="0"/>
-              <a:t>Lemma 4.1: Invariant: P3..5 </a:t>
+              <a:t>Lemma 4.2: Invariant: </a:t>
+            </a:r>
+            <a:br>
+              <a:rPr lang="de-DE" altLang="en-US" dirty="0"/>
+            </a:br>
+            <a:r>
+              <a:rPr lang="de-DE" altLang="en-US" dirty="0"/>
+              <a:t>wantp </a:t>
             </a:r>
             <a:r>
               <a:rPr lang="de-DE" altLang="en-US" dirty="0">
                 <a:sym typeface="Wingdings" panose="05000000000000000000" pitchFamily="2" charset="2"/>
               </a:rPr>
-              <a:t> wantp</a:t>
+              <a:t> p3..5</a:t>
             </a:r>
           </a:p>
           <a:p>
@@ -17806,7 +18146,15 @@
             </a:pPr>
             <a:r>
               <a:rPr lang="en-US" altLang="en-US" sz="1600" dirty="0"/>
-              <a:t>Base Case: p1 is not p3..5, so trivially true since the antecedent is false.</a:t>
+              <a:t>Base Case: </a:t>
+            </a:r>
+            <a:r>
+              <a:rPr lang="en-US" altLang="en-US" sz="1600" dirty="0" err="1"/>
+              <a:t>wantp</a:t>
+            </a:r>
+            <a:r>
+              <a:rPr lang="en-US" altLang="en-US" sz="1600" dirty="0"/>
+              <a:t> is always false in p1 either through initialization or through p5, so trivially true since the antecedent is false.</a:t>
             </a:r>
           </a:p>
           <a:p>
@@ -17817,120 +18165,124 @@
             </a:pPr>
             <a:r>
               <a:rPr lang="en-US" altLang="en-US" sz="1600" dirty="0"/>
-              <a:t>Inductive Case: Progress of thread Q can’t change A since Q doesn’t affect truth of pi or </a:t>
-            </a:r>
-            <a:r>
-              <a:rPr lang="en-US" altLang="en-US" sz="1600" dirty="0" err="1"/>
-              <a:t>wantp</a:t>
-            </a:r>
-            <a:r>
-              <a:rPr lang="en-US" altLang="en-US" sz="1600" dirty="0"/>
-              <a:t>.</a:t>
+              <a:t>Inductive Case: </a:t>
             </a:r>
           </a:p>
           <a:p>
-            <a:pPr eaLnBrk="1" hangingPunct="1">
+            <a:pPr lvl="2">
               <a:lnSpc>
                 <a:spcPct val="80000"/>
               </a:lnSpc>
             </a:pPr>
             <a:r>
-              <a:rPr lang="en-US" altLang="en-US" sz="1600" dirty="0"/>
-              <a:t>If we execute line p1 and go to p2, it doesn’t change A either since </a:t>
-            </a:r>
-            <a:r>
-              <a:rPr lang="en-US" altLang="en-US" sz="1600" dirty="0" err="1"/>
+              <a:rPr lang="en-US" altLang="en-US" dirty="0"/>
+              <a:t>The implication </a:t>
+            </a:r>
+            <a:r>
+              <a:rPr lang="en-US" altLang="en-US" dirty="0">
+                <a:sym typeface="Wingdings" panose="05000000000000000000" pitchFamily="2" charset="2"/>
+              </a:rPr>
+              <a:t>is true as long as the antecedent (</a:t>
+            </a:r>
+            <a:r>
+              <a:rPr lang="en-US" altLang="en-US" dirty="0" err="1">
+                <a:sym typeface="Wingdings" panose="05000000000000000000" pitchFamily="2" charset="2"/>
+              </a:rPr>
               <a:t>wantp</a:t>
             </a:r>
             <a:r>
-              <a:rPr lang="en-US" altLang="en-US" sz="1600" dirty="0"/>
-              <a:t> is unchanged and p3..p5 is still false.</a:t>
+              <a:rPr lang="en-US" altLang="en-US" dirty="0">
+                <a:sym typeface="Wingdings" panose="05000000000000000000" pitchFamily="2" charset="2"/>
+              </a:rPr>
+              <a:t>) remains false.  </a:t>
             </a:r>
           </a:p>
           <a:p>
-            <a:pPr eaLnBrk="1" hangingPunct="1">
+            <a:pPr lvl="2">
               <a:lnSpc>
                 <a:spcPct val="80000"/>
               </a:lnSpc>
             </a:pPr>
             <a:r>
-              <a:rPr lang="en-US" altLang="en-US" sz="1600" dirty="0"/>
-              <a:t>If we execute line p2 and go to p3, p3..5 is true, but </a:t>
-            </a:r>
-            <a:r>
-              <a:rPr lang="en-US" altLang="en-US" sz="1600" dirty="0" err="1"/>
+              <a:rPr lang="en-US" altLang="en-US" dirty="0">
+                <a:sym typeface="Wingdings" panose="05000000000000000000" pitchFamily="2" charset="2"/>
+              </a:rPr>
+              <a:t>Which statements change the state of </a:t>
+            </a:r>
+            <a:r>
+              <a:rPr lang="en-US" altLang="en-US" dirty="0" err="1">
+                <a:sym typeface="Wingdings" panose="05000000000000000000" pitchFamily="2" charset="2"/>
+              </a:rPr>
               <a:t>wantp</a:t>
             </a:r>
             <a:r>
-              <a:rPr lang="en-US" altLang="en-US" sz="1600" dirty="0"/>
-              <a:t> is true. T -&gt; T is true so A is true.</a:t>
+              <a:rPr lang="en-US" altLang="en-US" dirty="0">
+                <a:sym typeface="Wingdings" panose="05000000000000000000" pitchFamily="2" charset="2"/>
+              </a:rPr>
+              <a:t>?</a:t>
             </a:r>
           </a:p>
           <a:p>
-            <a:pPr eaLnBrk="1" hangingPunct="1">
+            <a:pPr lvl="4">
               <a:lnSpc>
                 <a:spcPct val="80000"/>
               </a:lnSpc>
             </a:pPr>
             <a:r>
-              <a:rPr lang="en-US" altLang="en-US" sz="1600" dirty="0"/>
-              <a:t>If we execute line p3 and go to p4, then p3..5 is true, but </a:t>
-            </a:r>
-            <a:r>
-              <a:rPr lang="en-US" altLang="en-US" sz="1600" dirty="0" err="1"/>
+              <a:rPr lang="en-US" altLang="en-US" dirty="0">
+                <a:sym typeface="Wingdings" panose="05000000000000000000" pitchFamily="2" charset="2"/>
+              </a:rPr>
+              <a:t>p2: sets </a:t>
+            </a:r>
+            <a:r>
+              <a:rPr lang="en-US" altLang="en-US" dirty="0" err="1">
+                <a:sym typeface="Wingdings" panose="05000000000000000000" pitchFamily="2" charset="2"/>
+              </a:rPr>
               <a:t>wantp</a:t>
             </a:r>
             <a:r>
-              <a:rPr lang="en-US" altLang="en-US" sz="1600" dirty="0"/>
-              <a:t> remains true.  So A is true.</a:t>
+              <a:rPr lang="en-US" altLang="en-US" dirty="0">
+                <a:sym typeface="Wingdings" panose="05000000000000000000" pitchFamily="2" charset="2"/>
+              </a:rPr>
+              <a:t> to true and moves to p3.  So </a:t>
+            </a:r>
+            <a:r>
+              <a:rPr lang="en-US" altLang="en-US" dirty="0" err="1">
+                <a:sym typeface="Wingdings" panose="05000000000000000000" pitchFamily="2" charset="2"/>
+              </a:rPr>
+              <a:t>wantp</a:t>
+            </a:r>
+            <a:r>
+              <a:rPr lang="en-US" altLang="en-US" dirty="0">
+                <a:sym typeface="Wingdings" panose="05000000000000000000" pitchFamily="2" charset="2"/>
+              </a:rPr>
+              <a:t> is true, and p3..5 is true.  TT is true.</a:t>
             </a:r>
           </a:p>
           <a:p>
-            <a:pPr eaLnBrk="1" hangingPunct="1">
+            <a:pPr lvl="4">
               <a:lnSpc>
                 <a:spcPct val="80000"/>
               </a:lnSpc>
             </a:pPr>
             <a:r>
-              <a:rPr lang="en-US" altLang="en-US" sz="1600" dirty="0"/>
-              <a:t>If we execute line p4 and go to p5, A remains true because </a:t>
-            </a:r>
-            <a:r>
-              <a:rPr lang="en-US" altLang="en-US" sz="1600" dirty="0" err="1"/>
+              <a:rPr lang="en-US" altLang="en-US" dirty="0">
+                <a:sym typeface="Wingdings" panose="05000000000000000000" pitchFamily="2" charset="2"/>
+              </a:rPr>
+              <a:t>p5: sets </a:t>
+            </a:r>
+            <a:r>
+              <a:rPr lang="en-US" altLang="en-US" dirty="0" err="1">
+                <a:sym typeface="Wingdings" panose="05000000000000000000" pitchFamily="2" charset="2"/>
+              </a:rPr>
               <a:t>wantp</a:t>
             </a:r>
             <a:r>
-              <a:rPr lang="en-US" altLang="en-US" sz="1600" dirty="0"/>
-              <a:t> doesn’t get changed.</a:t>
-            </a:r>
-          </a:p>
-          <a:p>
-            <a:pPr eaLnBrk="1" hangingPunct="1">
-              <a:lnSpc>
-                <a:spcPct val="80000"/>
-              </a:lnSpc>
-            </a:pPr>
-            <a:r>
-              <a:rPr lang="en-US" altLang="en-US" sz="1600" dirty="0"/>
-              <a:t>If we execute line p5 and back to p1, then p3..5 is false, but </a:t>
-            </a:r>
-            <a:r>
-              <a:rPr lang="en-US" altLang="en-US" sz="1600" dirty="0" err="1"/>
-              <a:t>wantp</a:t>
-            </a:r>
-            <a:r>
-              <a:rPr lang="en-US" altLang="en-US" sz="1600" dirty="0"/>
-              <a:t> becomes false, too.  So A is F-&gt;F which is true.</a:t>
-            </a:r>
-          </a:p>
-          <a:p>
-            <a:pPr lvl="2"/>
-            <a:endParaRPr lang="de-DE" altLang="en-US" dirty="0">
-              <a:sym typeface="Wingdings" panose="05000000000000000000" pitchFamily="2" charset="2"/>
-            </a:endParaRPr>
-          </a:p>
-          <a:p>
-            <a:pPr lvl="4"/>
+              <a:rPr lang="en-US" altLang="en-US" dirty="0">
+                <a:sym typeface="Wingdings" panose="05000000000000000000" pitchFamily="2" charset="2"/>
+              </a:rPr>
+              <a:t> to false, but moves to p1, which renders p3..5 false. FF is true (since the antecedent is false).</a:t>
+            </a:r>
             <a:endParaRPr lang="de-DE" altLang="en-US" dirty="0">
               <a:sym typeface="Wingdings" panose="05000000000000000000" pitchFamily="2" charset="2"/>
             </a:endParaRPr>
@@ -17949,7 +18301,13 @@
           <p:cNvGraphicFramePr>
             <a:graphicFrameLocks/>
           </p:cNvGraphicFramePr>
-          <p:nvPr/>
+          <p:nvPr>
+            <p:extLst>
+              <p:ext uri="{D42A27DB-BD31-4B8C-83A1-F6EECF244321}">
+                <p14:modId xmlns:p14="http://schemas.microsoft.com/office/powerpoint/2010/main" val="1322287511"/>
+              </p:ext>
+            </p:extLst>
+          </p:nvPr>
         </p:nvGraphicFramePr>
         <p:xfrm>
           <a:off x="4329288" y="696265"/>
@@ -19082,7 +19440,7 @@
                         <a:tabLst/>
                       </a:pPr>
                       <a:r>
-                        <a:rPr kumimoji="0" lang="en-US" sz="2800" b="0" i="0" u="none" strike="noStrike" cap="none" normalizeH="0" baseline="0">
+                        <a:rPr kumimoji="0" lang="en-US" sz="2800" b="0" i="0" u="none" strike="noStrike" cap="none" normalizeH="0" baseline="0" dirty="0">
                           <a:ln>
                             <a:noFill/>
                           </a:ln>
@@ -19093,7 +19451,35 @@
                           <a:latin typeface="Arial" charset="0"/>
                           <a:ea typeface="ＭＳ Ｐゴシック" pitchFamily="-128" charset="-128"/>
                         </a:rPr>
-                        <a:t>Await wantp=false</a:t>
+                        <a:t>q3: Await </a:t>
+                      </a:r>
+                      <a:r>
+                        <a:rPr kumimoji="0" lang="en-US" sz="2800" b="0" i="0" u="none" strike="noStrike" cap="none" normalizeH="0" baseline="0" dirty="0" err="1">
+                          <a:ln>
+                            <a:noFill/>
+                          </a:ln>
+                          <a:solidFill>
+                            <a:schemeClr val="tx1"/>
+                          </a:solidFill>
+                          <a:effectLst/>
+                          <a:latin typeface="Arial" charset="0"/>
+                          <a:ea typeface="ＭＳ Ｐゴシック" pitchFamily="-128" charset="-128"/>
+                        </a:rPr>
+                        <a:t>wantp</a:t>
+                      </a:r>
+                      <a:r>
+                        <a:rPr kumimoji="0" lang="en-US" sz="2800" b="0" i="0" u="none" strike="noStrike" cap="none" normalizeH="0" baseline="0" dirty="0">
+                          <a:ln>
+                            <a:noFill/>
+                          </a:ln>
+                          <a:solidFill>
+                            <a:schemeClr val="tx1"/>
+                          </a:solidFill>
+                          <a:effectLst/>
+                          <a:latin typeface="Arial" charset="0"/>
+                          <a:ea typeface="ＭＳ Ｐゴシック" pitchFamily="-128" charset="-128"/>
+                        </a:rPr>
+                        <a:t>=false</a:t>
                       </a:r>
                     </a:p>
                   </a:txBody>
@@ -19591,10 +19977,64 @@
           </a:graphicData>
         </a:graphic>
       </p:graphicFrame>
+      <p:sp>
+        <p:nvSpPr>
+          <p:cNvPr id="7" name="Title 1">
+            <a:extLst>
+              <a:ext uri="{FF2B5EF4-FFF2-40B4-BE49-F238E27FC236}">
+                <a16:creationId xmlns:a16="http://schemas.microsoft.com/office/drawing/2014/main" id="{5E05587F-A9EA-E2B8-F142-02AF65AD98B9}"/>
+              </a:ext>
+            </a:extLst>
+          </p:cNvPr>
+          <p:cNvSpPr txBox="1">
+            <a:spLocks/>
+          </p:cNvSpPr>
+          <p:nvPr/>
+        </p:nvSpPr>
+        <p:spPr>
+          <a:xfrm>
+            <a:off x="966744" y="-120697"/>
+            <a:ext cx="9667389" cy="1064277"/>
+          </a:xfrm>
+          <a:prstGeom prst="rect">
+            <a:avLst/>
+          </a:prstGeom>
+        </p:spPr>
+        <p:txBody>
+          <a:bodyPr vert="horz" lIns="91440" tIns="45720" rIns="91440" bIns="45720" rtlCol="0" anchor="ctr">
+            <a:normAutofit fontScale="90000"/>
+          </a:bodyPr>
+          <a:lstStyle>
+            <a:lvl1pPr algn="l" defTabSz="914400" rtl="0" eaLnBrk="1" latinLnBrk="0" hangingPunct="1">
+              <a:lnSpc>
+                <a:spcPct val="100000"/>
+              </a:lnSpc>
+              <a:spcBef>
+                <a:spcPct val="0"/>
+              </a:spcBef>
+              <a:buNone/>
+              <a:defRPr sz="4000" kern="1200">
+                <a:solidFill>
+                  <a:schemeClr val="tx2"/>
+                </a:solidFill>
+                <a:latin typeface="+mj-lt"/>
+                <a:ea typeface="+mj-ea"/>
+                <a:cs typeface="+mj-cs"/>
+              </a:defRPr>
+            </a:lvl1pPr>
+          </a:lstStyle>
+          <a:p>
+            <a:r>
+              <a:rPr lang="en-US" dirty="0"/>
+              <a:t>Proof of Mutual Exclusion in Ben-Ari “Attempt #3”</a:t>
+            </a:r>
+          </a:p>
+        </p:txBody>
+      </p:sp>
     </p:spTree>
     <p:extLst>
       <p:ext uri="{BB962C8B-B14F-4D97-AF65-F5344CB8AC3E}">
-        <p14:creationId xmlns:p14="http://schemas.microsoft.com/office/powerpoint/2010/main" val="2061212501"/>
+        <p14:creationId xmlns:p14="http://schemas.microsoft.com/office/powerpoint/2010/main" val="2841673677"/>
       </p:ext>
     </p:extLst>
   </p:cSld>
@@ -19623,41 +20063,6 @@
       </p:grpSpPr>
       <p:sp>
         <p:nvSpPr>
-          <p:cNvPr id="2" name="Title 1">
-            <a:extLst>
-              <a:ext uri="{FF2B5EF4-FFF2-40B4-BE49-F238E27FC236}">
-                <a16:creationId xmlns:a16="http://schemas.microsoft.com/office/drawing/2014/main" id="{0C50A3BF-B88B-9A7C-DAAD-2F2CC489DDFE}"/>
-              </a:ext>
-            </a:extLst>
-          </p:cNvPr>
-          <p:cNvSpPr>
-            <a:spLocks noGrp="1"/>
-          </p:cNvSpPr>
-          <p:nvPr>
-            <p:ph type="title"/>
-          </p:nvPr>
-        </p:nvSpPr>
-        <p:spPr>
-          <a:xfrm>
-            <a:off x="966744" y="138950"/>
-            <a:ext cx="9076329" cy="1064277"/>
-          </a:xfrm>
-        </p:spPr>
-        <p:txBody>
-          <a:bodyPr>
-            <a:normAutofit fontScale="90000"/>
-          </a:bodyPr>
-          <a:lstStyle/>
-          <a:p>
-            <a:r>
-              <a:rPr lang="en-US" dirty="0"/>
-              <a:t>Proof of Mutual Exclusion in Ben-Ari “Attempt #3”</a:t>
-            </a:r>
-          </a:p>
-        </p:txBody>
-      </p:sp>
-      <p:sp>
-        <p:nvSpPr>
           <p:cNvPr id="3" name="Content Placeholder 2">
             <a:extLst>
               <a:ext uri="{FF2B5EF4-FFF2-40B4-BE49-F238E27FC236}">
@@ -19674,123 +20079,130 @@
         </p:nvSpPr>
         <p:spPr>
           <a:xfrm>
-            <a:off x="549056" y="1203227"/>
-            <a:ext cx="3424634" cy="5400773"/>
+            <a:off x="549056" y="2065867"/>
+            <a:ext cx="3424634" cy="4538133"/>
           </a:xfrm>
         </p:spPr>
         <p:txBody>
           <a:bodyPr>
-            <a:normAutofit/>
+            <a:normAutofit fontScale="92500" lnSpcReduction="20000"/>
           </a:bodyPr>
           <a:lstStyle/>
           <a:p>
             <a:r>
-              <a:rPr lang="de-DE" altLang="en-US" dirty="0"/>
-              <a:t>Lemma 4.2: Invariant: wantp </a:t>
-            </a:r>
-            <a:r>
-              <a:rPr lang="de-DE" altLang="en-US" dirty="0">
+              <a:rPr lang="en-US" altLang="en-US" dirty="0"/>
+              <a:t>Base case: Initially (p1 ^ q1), so trivially satisfied since neither thread is in state 4.</a:t>
+            </a:r>
+          </a:p>
+          <a:p>
+            <a:r>
+              <a:rPr lang="en-US" altLang="en-US" dirty="0"/>
+              <a:t>When p4 becomes true, it must have just executed p3.  p3 proceeds </a:t>
+            </a:r>
+            <a:r>
+              <a:rPr lang="en-US" altLang="en-US" dirty="0" err="1"/>
+              <a:t>wantq</a:t>
+            </a:r>
+            <a:r>
+              <a:rPr lang="en-US" altLang="en-US" dirty="0"/>
+              <a:t> to false, and it doesn’t become true again until p5.  So p4 </a:t>
+            </a:r>
+            <a:r>
+              <a:rPr lang="en-US" altLang="en-US" dirty="0">
                 <a:sym typeface="Wingdings" panose="05000000000000000000" pitchFamily="2" charset="2"/>
               </a:rPr>
-              <a:t> p3..5</a:t>
+              <a:t> </a:t>
+            </a:r>
+            <a:r>
+              <a:rPr lang="en-US" altLang="en-US" sz="2000" dirty="0">
+                <a:cs typeface="Times New Roman" panose="02020603050405020304" pitchFamily="18" charset="0"/>
+              </a:rPr>
+              <a:t>⌐ </a:t>
+            </a:r>
+            <a:r>
+              <a:rPr lang="en-US" altLang="en-US" sz="2000" dirty="0" err="1">
+                <a:cs typeface="Times New Roman" panose="02020603050405020304" pitchFamily="18" charset="0"/>
+              </a:rPr>
+              <a:t>wantq</a:t>
+            </a:r>
+            <a:r>
+              <a:rPr lang="en-US" altLang="en-US" sz="2000" dirty="0">
+                <a:cs typeface="Times New Roman" panose="02020603050405020304" pitchFamily="18" charset="0"/>
+              </a:rPr>
+              <a:t>.</a:t>
             </a:r>
           </a:p>
           <a:p>
-            <a:pPr eaLnBrk="1" hangingPunct="1">
-              <a:lnSpc>
-                <a:spcPct val="80000"/>
-              </a:lnSpc>
-            </a:pPr>
-            <a:r>
-              <a:rPr lang="en-US" altLang="en-US" sz="1600" dirty="0"/>
-              <a:t>Base Case: </a:t>
-            </a:r>
-            <a:r>
-              <a:rPr lang="en-US" altLang="en-US" sz="1600" dirty="0" err="1"/>
-              <a:t>wantp</a:t>
-            </a:r>
-            <a:r>
-              <a:rPr lang="en-US" altLang="en-US" sz="1600" dirty="0"/>
-              <a:t> is always false in p1 either through initialization or through p5, so trivially true since the antecedent is false.</a:t>
-            </a:r>
+            <a:r>
+              <a:rPr lang="en-US" altLang="en-US" dirty="0">
+                <a:cs typeface="Times New Roman" panose="02020603050405020304" pitchFamily="18" charset="0"/>
+              </a:rPr>
+              <a:t>By Lemma 4.1 and 4.2, q3..5 </a:t>
+            </a:r>
+            <a:r>
+              <a:rPr lang="en-US" altLang="en-US" dirty="0">
+                <a:cs typeface="Times New Roman" panose="02020603050405020304" pitchFamily="18" charset="0"/>
+                <a:sym typeface="Wingdings" panose="05000000000000000000" pitchFamily="2" charset="2"/>
+              </a:rPr>
+              <a:t> </a:t>
+            </a:r>
+            <a:r>
+              <a:rPr lang="en-US" altLang="en-US" dirty="0" err="1">
+                <a:cs typeface="Times New Roman" panose="02020603050405020304" pitchFamily="18" charset="0"/>
+                <a:sym typeface="Wingdings" panose="05000000000000000000" pitchFamily="2" charset="2"/>
+              </a:rPr>
+              <a:t>wantq</a:t>
+            </a:r>
+            <a:r>
+              <a:rPr lang="en-US" altLang="en-US" dirty="0">
+                <a:cs typeface="Times New Roman" panose="02020603050405020304" pitchFamily="18" charset="0"/>
+                <a:sym typeface="Wingdings" panose="05000000000000000000" pitchFamily="2" charset="2"/>
+              </a:rPr>
+              <a:t>.  If </a:t>
+            </a:r>
+            <a:r>
+              <a:rPr lang="en-US" altLang="en-US" dirty="0" err="1">
+                <a:cs typeface="Times New Roman" panose="02020603050405020304" pitchFamily="18" charset="0"/>
+                <a:sym typeface="Wingdings" panose="05000000000000000000" pitchFamily="2" charset="2"/>
+              </a:rPr>
+              <a:t>wantq</a:t>
+            </a:r>
+            <a:r>
+              <a:rPr lang="en-US" altLang="en-US" dirty="0">
+                <a:cs typeface="Times New Roman" panose="02020603050405020304" pitchFamily="18" charset="0"/>
+                <a:sym typeface="Wingdings" panose="05000000000000000000" pitchFamily="2" charset="2"/>
+              </a:rPr>
+              <a:t> is false, we are not in q3..5.  Therefore, p4  </a:t>
+            </a:r>
+            <a:r>
+              <a:rPr lang="en-US" altLang="en-US" sz="2000" dirty="0">
+                <a:cs typeface="Times New Roman" panose="02020603050405020304" pitchFamily="18" charset="0"/>
+              </a:rPr>
+              <a:t>⌐q3..5, and thus ⌐</a:t>
+            </a:r>
+            <a:r>
+              <a:rPr lang="en-US" altLang="en-US" sz="2000" dirty="0"/>
+              <a:t>(p4</a:t>
+            </a:r>
+            <a:r>
+              <a:rPr lang="en-US" altLang="en-US" sz="2000" dirty="0">
+                <a:sym typeface="Symbol" panose="05050102010706020507" pitchFamily="18" charset="2"/>
+              </a:rPr>
+              <a:t>q4) is true.</a:t>
+            </a:r>
+            <a:endParaRPr lang="en-US" altLang="en-US" dirty="0"/>
           </a:p>
           <a:p>
-            <a:pPr eaLnBrk="1" hangingPunct="1">
-              <a:lnSpc>
-                <a:spcPct val="80000"/>
-              </a:lnSpc>
-            </a:pPr>
-            <a:r>
-              <a:rPr lang="en-US" altLang="en-US" sz="1600" dirty="0"/>
-              <a:t>Inductive Case: We look at the effects of executing the various lines of P individually.  We also consider that the operation of Q can’t affect what happens, so we don’t have to consider what is going on with that thread.</a:t>
-            </a:r>
-          </a:p>
-          <a:p>
-            <a:pPr>
-              <a:lnSpc>
-                <a:spcPct val="80000"/>
-              </a:lnSpc>
-            </a:pPr>
-            <a:r>
-              <a:rPr lang="en-US" altLang="en-US" sz="1600" dirty="0">
-                <a:sym typeface="Wingdings" panose="05000000000000000000" pitchFamily="2" charset="2"/>
-              </a:rPr>
-              <a:t>Since F-&gt;T or F-&gt;F are both true, B is true as long as </a:t>
-            </a:r>
-            <a:r>
-              <a:rPr lang="en-US" altLang="en-US" sz="1600" dirty="0" err="1">
-                <a:sym typeface="Wingdings" panose="05000000000000000000" pitchFamily="2" charset="2"/>
-              </a:rPr>
-              <a:t>wantp</a:t>
-            </a:r>
-            <a:r>
-              <a:rPr lang="en-US" altLang="en-US" sz="1600" dirty="0">
-                <a:sym typeface="Wingdings" panose="05000000000000000000" pitchFamily="2" charset="2"/>
-              </a:rPr>
-              <a:t> remains false.  So we only have to worry about lines that change the state of </a:t>
-            </a:r>
-            <a:r>
-              <a:rPr lang="en-US" altLang="en-US" sz="1600" dirty="0" err="1">
-                <a:sym typeface="Wingdings" panose="05000000000000000000" pitchFamily="2" charset="2"/>
-              </a:rPr>
-              <a:t>wantp</a:t>
-            </a:r>
-            <a:r>
-              <a:rPr lang="en-US" altLang="en-US" sz="1600" dirty="0">
-                <a:sym typeface="Wingdings" panose="05000000000000000000" pitchFamily="2" charset="2"/>
-              </a:rPr>
-              <a:t>:  p2 and p5.  After executing p2, we have both </a:t>
-            </a:r>
-            <a:r>
-              <a:rPr lang="en-US" altLang="en-US" sz="1600" dirty="0" err="1">
-                <a:sym typeface="Wingdings" panose="05000000000000000000" pitchFamily="2" charset="2"/>
-              </a:rPr>
-              <a:t>wantp</a:t>
-            </a:r>
-            <a:r>
-              <a:rPr lang="en-US" altLang="en-US" sz="1600" dirty="0">
-                <a:sym typeface="Wingdings" panose="05000000000000000000" pitchFamily="2" charset="2"/>
-              </a:rPr>
-              <a:t> and p3..5 are true, so B is T-&gt;T which is true.  After executing p5, p3..5 is false, but so is </a:t>
-            </a:r>
-            <a:r>
-              <a:rPr lang="en-US" altLang="en-US" sz="1600" dirty="0" err="1">
-                <a:sym typeface="Wingdings" panose="05000000000000000000" pitchFamily="2" charset="2"/>
-              </a:rPr>
-              <a:t>wantp</a:t>
-            </a:r>
-            <a:r>
-              <a:rPr lang="en-US" altLang="en-US" sz="1600" dirty="0">
-                <a:sym typeface="Wingdings" panose="05000000000000000000" pitchFamily="2" charset="2"/>
-              </a:rPr>
-              <a:t>, so B is F-&gt;F which is true.</a:t>
-            </a:r>
-            <a:endParaRPr lang="de-DE" altLang="en-US" sz="1600" dirty="0">
-              <a:sym typeface="Wingdings" panose="05000000000000000000" pitchFamily="2" charset="2"/>
+            <a:pPr eaLnBrk="1" hangingPunct="1"/>
+            <a:r>
+              <a:rPr lang="en-US" altLang="en-US" sz="2400" dirty="0"/>
+              <a:t>Symmetric argument for q4.</a:t>
+            </a:r>
+            <a:endParaRPr lang="en-US" altLang="en-US" sz="2400" dirty="0">
+              <a:sym typeface="Symbol" panose="05050102010706020507" pitchFamily="18" charset="2"/>
             </a:endParaRPr>
           </a:p>
           <a:p>
-            <a:pPr lvl="4"/>
             <a:endParaRPr lang="de-DE" altLang="en-US" dirty="0">
               <a:sym typeface="Wingdings" panose="05000000000000000000" pitchFamily="2" charset="2"/>
             </a:endParaRPr>
@@ -19809,7 +20221,13 @@
           <p:cNvGraphicFramePr>
             <a:graphicFrameLocks/>
           </p:cNvGraphicFramePr>
-          <p:nvPr/>
+          <p:nvPr>
+            <p:extLst>
+              <p:ext uri="{D42A27DB-BD31-4B8C-83A1-F6EECF244321}">
+                <p14:modId xmlns:p14="http://schemas.microsoft.com/office/powerpoint/2010/main" val="2010579323"/>
+              </p:ext>
+            </p:extLst>
+          </p:nvPr>
         </p:nvGraphicFramePr>
         <p:xfrm>
           <a:off x="4329288" y="696265"/>
@@ -20942,7 +21360,7 @@
                         <a:tabLst/>
                       </a:pPr>
                       <a:r>
-                        <a:rPr kumimoji="0" lang="en-US" sz="2800" b="0" i="0" u="none" strike="noStrike" cap="none" normalizeH="0" baseline="0">
+                        <a:rPr kumimoji="0" lang="en-US" sz="2800" b="0" i="0" u="none" strike="noStrike" cap="none" normalizeH="0" baseline="0" dirty="0">
                           <a:ln>
                             <a:noFill/>
                           </a:ln>
@@ -20953,272 +21371,7 @@
                           <a:latin typeface="Arial" charset="0"/>
                           <a:ea typeface="ＭＳ Ｐゴシック" pitchFamily="-128" charset="-128"/>
                         </a:rPr>
-                        <a:t>Await wantp=false</a:t>
-                      </a:r>
-                    </a:p>
-                  </a:txBody>
-                  <a:tcPr marT="45726" marB="45726" horzOverflow="overflow">
-                    <a:lnL w="12700" cap="flat" cmpd="sng" algn="ctr">
-                      <a:solidFill>
-                        <a:schemeClr val="tx1"/>
-                      </a:solidFill>
-                      <a:prstDash val="solid"/>
-                      <a:round/>
-                      <a:headEnd type="none" w="med" len="med"/>
-                      <a:tailEnd type="none" w="med" len="med"/>
-                    </a:lnL>
-                    <a:lnR w="28575" cap="flat" cmpd="sng" algn="ctr">
-                      <a:solidFill>
-                        <a:schemeClr val="tx1"/>
-                      </a:solidFill>
-                      <a:prstDash val="solid"/>
-                      <a:round/>
-                      <a:headEnd type="none" w="med" len="med"/>
-                      <a:tailEnd type="none" w="med" len="med"/>
-                    </a:lnR>
-                    <a:lnT w="12700" cap="flat" cmpd="sng" algn="ctr">
-                      <a:solidFill>
-                        <a:schemeClr val="tx1"/>
-                      </a:solidFill>
-                      <a:prstDash val="solid"/>
-                      <a:round/>
-                      <a:headEnd type="none" w="med" len="med"/>
-                      <a:tailEnd type="none" w="med" len="med"/>
-                    </a:lnT>
-                    <a:lnB w="12700" cap="flat" cmpd="sng" algn="ctr">
-                      <a:solidFill>
-                        <a:schemeClr val="tx1"/>
-                      </a:solidFill>
-                      <a:prstDash val="solid"/>
-                      <a:round/>
-                      <a:headEnd type="none" w="med" len="med"/>
-                      <a:tailEnd type="none" w="med" len="med"/>
-                    </a:lnB>
-                    <a:lnTlToBr>
-                      <a:noFill/>
-                    </a:lnTlToBr>
-                    <a:lnBlToTr>
-                      <a:noFill/>
-                    </a:lnBlToTr>
-                    <a:solidFill>
-                      <a:srgbClr val="FFCCFF"/>
-                    </a:solidFill>
-                  </a:tcPr>
-                </a:tc>
-                <a:extLst>
-                  <a:ext uri="{0D108BD9-81ED-4DB2-BD59-A6C34878D82A}">
-                    <a16:rowId xmlns:a16="http://schemas.microsoft.com/office/drawing/2014/main" val="10006"/>
-                  </a:ext>
-                </a:extLst>
-              </a:tr>
-              <a:tr h="518231">
-                <a:tc>
-                  <a:txBody>
-                    <a:bodyPr/>
-                    <a:lstStyle/>
-                    <a:p>
-                      <a:pPr marL="0" marR="0" lvl="0" indent="0" algn="l" defTabSz="914400" rtl="0" eaLnBrk="1" fontAlgn="base" latinLnBrk="0" hangingPunct="1">
-                        <a:lnSpc>
-                          <a:spcPct val="100000"/>
-                        </a:lnSpc>
-                        <a:spcBef>
-                          <a:spcPct val="20000"/>
-                        </a:spcBef>
-                        <a:spcAft>
-                          <a:spcPct val="0"/>
-                        </a:spcAft>
-                        <a:buClrTx/>
-                        <a:buSzTx/>
-                        <a:buFontTx/>
-                        <a:buNone/>
-                        <a:tabLst/>
-                      </a:pPr>
-                      <a:r>
-                        <a:rPr kumimoji="0" lang="en-US" sz="2800" b="0" i="0" u="none" strike="noStrike" cap="none" normalizeH="0" baseline="0">
-                          <a:ln>
-                            <a:noFill/>
-                          </a:ln>
-                          <a:solidFill>
-                            <a:schemeClr val="tx1"/>
-                          </a:solidFill>
-                          <a:effectLst/>
-                          <a:latin typeface="Arial" charset="0"/>
-                          <a:ea typeface="ＭＳ Ｐゴシック" pitchFamily="-128" charset="-128"/>
-                        </a:rPr>
-                        <a:t>p4: critical section</a:t>
-                      </a:r>
-                    </a:p>
-                  </a:txBody>
-                  <a:tcPr marT="45726" marB="45726" horzOverflow="overflow">
-                    <a:lnL w="28575" cap="flat" cmpd="sng" algn="ctr">
-                      <a:solidFill>
-                        <a:schemeClr val="tx1"/>
-                      </a:solidFill>
-                      <a:prstDash val="solid"/>
-                      <a:round/>
-                      <a:headEnd type="none" w="med" len="med"/>
-                      <a:tailEnd type="none" w="med" len="med"/>
-                    </a:lnL>
-                    <a:lnR w="12700" cap="flat" cmpd="sng" algn="ctr">
-                      <a:solidFill>
-                        <a:schemeClr val="tx1"/>
-                      </a:solidFill>
-                      <a:prstDash val="solid"/>
-                      <a:round/>
-                      <a:headEnd type="none" w="med" len="med"/>
-                      <a:tailEnd type="none" w="med" len="med"/>
-                    </a:lnR>
-                    <a:lnT w="12700" cap="flat" cmpd="sng" algn="ctr">
-                      <a:solidFill>
-                        <a:schemeClr val="tx1"/>
-                      </a:solidFill>
-                      <a:prstDash val="solid"/>
-                      <a:round/>
-                      <a:headEnd type="none" w="med" len="med"/>
-                      <a:tailEnd type="none" w="med" len="med"/>
-                    </a:lnT>
-                    <a:lnB w="12700" cap="flat" cmpd="sng" algn="ctr">
-                      <a:solidFill>
-                        <a:schemeClr val="tx1"/>
-                      </a:solidFill>
-                      <a:prstDash val="solid"/>
-                      <a:round/>
-                      <a:headEnd type="none" w="med" len="med"/>
-                      <a:tailEnd type="none" w="med" len="med"/>
-                    </a:lnB>
-                    <a:lnTlToBr>
-                      <a:noFill/>
-                    </a:lnTlToBr>
-                    <a:lnBlToTr>
-                      <a:noFill/>
-                    </a:lnBlToTr>
-                    <a:noFill/>
-                  </a:tcPr>
-                </a:tc>
-                <a:tc>
-                  <a:txBody>
-                    <a:bodyPr/>
-                    <a:lstStyle/>
-                    <a:p>
-                      <a:pPr marL="0" marR="0" lvl="0" indent="0" algn="l" defTabSz="914400" rtl="0" eaLnBrk="1" fontAlgn="base" latinLnBrk="0" hangingPunct="1">
-                        <a:lnSpc>
-                          <a:spcPct val="100000"/>
-                        </a:lnSpc>
-                        <a:spcBef>
-                          <a:spcPct val="20000"/>
-                        </a:spcBef>
-                        <a:spcAft>
-                          <a:spcPct val="0"/>
-                        </a:spcAft>
-                        <a:buClrTx/>
-                        <a:buSzTx/>
-                        <a:buFontTx/>
-                        <a:buNone/>
-                        <a:tabLst/>
-                      </a:pPr>
-                      <a:r>
-                        <a:rPr kumimoji="0" lang="en-US" sz="2800" b="0" i="0" u="none" strike="noStrike" cap="none" normalizeH="0" baseline="0">
-                          <a:ln>
-                            <a:noFill/>
-                          </a:ln>
-                          <a:solidFill>
-                            <a:schemeClr val="tx1"/>
-                          </a:solidFill>
-                          <a:effectLst/>
-                          <a:latin typeface="Arial" charset="0"/>
-                          <a:ea typeface="ＭＳ Ｐゴシック" pitchFamily="-128" charset="-128"/>
-                        </a:rPr>
-                        <a:t>q4: critical section</a:t>
-                      </a:r>
-                    </a:p>
-                  </a:txBody>
-                  <a:tcPr marT="45726" marB="45726" horzOverflow="overflow">
-                    <a:lnL w="12700" cap="flat" cmpd="sng" algn="ctr">
-                      <a:solidFill>
-                        <a:schemeClr val="tx1"/>
-                      </a:solidFill>
-                      <a:prstDash val="solid"/>
-                      <a:round/>
-                      <a:headEnd type="none" w="med" len="med"/>
-                      <a:tailEnd type="none" w="med" len="med"/>
-                    </a:lnL>
-                    <a:lnR w="28575" cap="flat" cmpd="sng" algn="ctr">
-                      <a:solidFill>
-                        <a:schemeClr val="tx1"/>
-                      </a:solidFill>
-                      <a:prstDash val="solid"/>
-                      <a:round/>
-                      <a:headEnd type="none" w="med" len="med"/>
-                      <a:tailEnd type="none" w="med" len="med"/>
-                    </a:lnR>
-                    <a:lnT w="12700" cap="flat" cmpd="sng" algn="ctr">
-                      <a:solidFill>
-                        <a:schemeClr val="tx1"/>
-                      </a:solidFill>
-                      <a:prstDash val="solid"/>
-                      <a:round/>
-                      <a:headEnd type="none" w="med" len="med"/>
-                      <a:tailEnd type="none" w="med" len="med"/>
-                    </a:lnT>
-                    <a:lnB w="12700" cap="flat" cmpd="sng" algn="ctr">
-                      <a:solidFill>
-                        <a:schemeClr val="tx1"/>
-                      </a:solidFill>
-                      <a:prstDash val="solid"/>
-                      <a:round/>
-                      <a:headEnd type="none" w="med" len="med"/>
-                      <a:tailEnd type="none" w="med" len="med"/>
-                    </a:lnB>
-                    <a:lnTlToBr>
-                      <a:noFill/>
-                    </a:lnTlToBr>
-                    <a:lnBlToTr>
-                      <a:noFill/>
-                    </a:lnBlToTr>
-                    <a:noFill/>
-                  </a:tcPr>
-                </a:tc>
-                <a:extLst>
-                  <a:ext uri="{0D108BD9-81ED-4DB2-BD59-A6C34878D82A}">
-                    <a16:rowId xmlns:a16="http://schemas.microsoft.com/office/drawing/2014/main" val="10007"/>
-                  </a:ext>
-                </a:extLst>
-              </a:tr>
-              <a:tr h="518231">
-                <a:tc>
-                  <a:txBody>
-                    <a:bodyPr/>
-                    <a:lstStyle/>
-                    <a:p>
-                      <a:pPr marL="0" marR="0" lvl="0" indent="0" algn="l" defTabSz="914400" rtl="0" eaLnBrk="1" fontAlgn="base" latinLnBrk="0" hangingPunct="1">
-                        <a:lnSpc>
-                          <a:spcPct val="100000"/>
-                        </a:lnSpc>
-                        <a:spcBef>
-                          <a:spcPct val="20000"/>
-                        </a:spcBef>
-                        <a:spcAft>
-                          <a:spcPct val="0"/>
-                        </a:spcAft>
-                        <a:buClrTx/>
-                        <a:buSzTx/>
-                        <a:buFontTx/>
-                        <a:buNone/>
-                        <a:tabLst/>
-                      </a:pPr>
-                      <a:r>
-                        <a:rPr kumimoji="0" lang="en-US" sz="2800" b="0" i="0" u="none" strike="noStrike" cap="none" normalizeH="0" baseline="0" dirty="0">
-                          <a:ln>
-                            <a:noFill/>
-                          </a:ln>
-                          <a:solidFill>
-                            <a:schemeClr val="tx1"/>
-                          </a:solidFill>
-                          <a:effectLst/>
-                          <a:latin typeface="Arial" charset="0"/>
-                          <a:ea typeface="ＭＳ Ｐゴシック" pitchFamily="-128" charset="-128"/>
-                        </a:rPr>
-                        <a:t>p5: </a:t>
+                        <a:t>q3: Await </a:t>
                       </a:r>
                       <a:r>
                         <a:rPr kumimoji="0" lang="en-US" sz="2800" b="0" i="0" u="none" strike="noStrike" cap="none" normalizeH="0" baseline="0" dirty="0" err="1">
@@ -21246,1540 +21399,7 @@
                           <a:latin typeface="Arial" charset="0"/>
                           <a:ea typeface="ＭＳ Ｐゴシック" pitchFamily="-128" charset="-128"/>
                         </a:rPr>
-                        <a:t> </a:t>
-                      </a:r>
-                      <a:r>
-                        <a:rPr kumimoji="0" lang="en-US" sz="2800" b="0" i="0" u="none" strike="noStrike" cap="none" normalizeH="0" baseline="0" dirty="0">
-                          <a:ln>
-                            <a:noFill/>
-                          </a:ln>
-                          <a:solidFill>
-                            <a:schemeClr val="tx1"/>
-                          </a:solidFill>
-                          <a:effectLst/>
-                          <a:latin typeface="Arial" charset="0"/>
-                          <a:ea typeface="ＭＳ Ｐゴシック" pitchFamily="-128" charset="-128"/>
-                          <a:cs typeface="Times New Roman" pitchFamily="-128" charset="0"/>
-                        </a:rPr>
-                        <a:t>←false</a:t>
-                      </a:r>
-                    </a:p>
-                  </a:txBody>
-                  <a:tcPr marT="45726" marB="45726" horzOverflow="overflow">
-                    <a:lnL w="28575" cap="flat" cmpd="sng" algn="ctr">
-                      <a:solidFill>
-                        <a:schemeClr val="tx1"/>
-                      </a:solidFill>
-                      <a:prstDash val="solid"/>
-                      <a:round/>
-                      <a:headEnd type="none" w="med" len="med"/>
-                      <a:tailEnd type="none" w="med" len="med"/>
-                    </a:lnL>
-                    <a:lnR w="12700" cap="flat" cmpd="sng" algn="ctr">
-                      <a:solidFill>
-                        <a:schemeClr val="tx1"/>
-                      </a:solidFill>
-                      <a:prstDash val="solid"/>
-                      <a:round/>
-                      <a:headEnd type="none" w="med" len="med"/>
-                      <a:tailEnd type="none" w="med" len="med"/>
-                    </a:lnR>
-                    <a:lnT w="12700" cap="flat" cmpd="sng" algn="ctr">
-                      <a:solidFill>
-                        <a:schemeClr val="tx1"/>
-                      </a:solidFill>
-                      <a:prstDash val="solid"/>
-                      <a:round/>
-                      <a:headEnd type="none" w="med" len="med"/>
-                      <a:tailEnd type="none" w="med" len="med"/>
-                    </a:lnT>
-                    <a:lnB w="28575" cap="flat" cmpd="sng" algn="ctr">
-                      <a:solidFill>
-                        <a:schemeClr val="tx1"/>
-                      </a:solidFill>
-                      <a:prstDash val="solid"/>
-                      <a:round/>
-                      <a:headEnd type="none" w="med" len="med"/>
-                      <a:tailEnd type="none" w="med" len="med"/>
-                    </a:lnB>
-                    <a:lnTlToBr>
-                      <a:noFill/>
-                    </a:lnTlToBr>
-                    <a:lnBlToTr>
-                      <a:noFill/>
-                    </a:lnBlToTr>
-                    <a:solidFill>
-                      <a:srgbClr val="9999FF"/>
-                    </a:solidFill>
-                  </a:tcPr>
-                </a:tc>
-                <a:tc>
-                  <a:txBody>
-                    <a:bodyPr/>
-                    <a:lstStyle/>
-                    <a:p>
-                      <a:pPr marL="0" marR="0" lvl="0" indent="0" algn="l" defTabSz="914400" rtl="0" eaLnBrk="1" fontAlgn="base" latinLnBrk="0" hangingPunct="1">
-                        <a:lnSpc>
-                          <a:spcPct val="100000"/>
-                        </a:lnSpc>
-                        <a:spcBef>
-                          <a:spcPct val="20000"/>
-                        </a:spcBef>
-                        <a:spcAft>
-                          <a:spcPct val="0"/>
-                        </a:spcAft>
-                        <a:buClrTx/>
-                        <a:buSzTx/>
-                        <a:buFontTx/>
-                        <a:buNone/>
-                        <a:tabLst/>
-                      </a:pPr>
-                      <a:r>
-                        <a:rPr kumimoji="0" lang="en-US" sz="2800" b="0" i="0" u="none" strike="noStrike" cap="none" normalizeH="0" baseline="0" dirty="0">
-                          <a:ln>
-                            <a:noFill/>
-                          </a:ln>
-                          <a:solidFill>
-                            <a:schemeClr val="tx1"/>
-                          </a:solidFill>
-                          <a:effectLst/>
-                          <a:latin typeface="Arial" charset="0"/>
-                          <a:ea typeface="ＭＳ Ｐゴシック" pitchFamily="-128" charset="-128"/>
-                        </a:rPr>
-                        <a:t>q5: </a:t>
-                      </a:r>
-                      <a:r>
-                        <a:rPr kumimoji="0" lang="en-US" sz="2800" b="0" i="0" u="none" strike="noStrike" cap="none" normalizeH="0" baseline="0" dirty="0" err="1">
-                          <a:ln>
-                            <a:noFill/>
-                          </a:ln>
-                          <a:solidFill>
-                            <a:schemeClr val="tx1"/>
-                          </a:solidFill>
-                          <a:effectLst/>
-                          <a:latin typeface="Arial" charset="0"/>
-                          <a:ea typeface="ＭＳ Ｐゴシック" pitchFamily="-128" charset="-128"/>
-                        </a:rPr>
-                        <a:t>wantq</a:t>
-                      </a:r>
-                      <a:r>
-                        <a:rPr kumimoji="0" lang="en-US" sz="2800" b="0" i="0" u="none" strike="noStrike" cap="none" normalizeH="0" baseline="0" dirty="0">
-                          <a:ln>
-                            <a:noFill/>
-                          </a:ln>
-                          <a:solidFill>
-                            <a:schemeClr val="tx1"/>
-                          </a:solidFill>
-                          <a:effectLst/>
-                          <a:latin typeface="Arial" charset="0"/>
-                          <a:ea typeface="ＭＳ Ｐゴシック" pitchFamily="-128" charset="-128"/>
-                        </a:rPr>
-                        <a:t> </a:t>
-                      </a:r>
-                      <a:r>
-                        <a:rPr kumimoji="0" lang="en-US" sz="2800" b="0" i="0" u="none" strike="noStrike" cap="none" normalizeH="0" baseline="0" dirty="0">
-                          <a:ln>
-                            <a:noFill/>
-                          </a:ln>
-                          <a:solidFill>
-                            <a:schemeClr val="tx1"/>
-                          </a:solidFill>
-                          <a:effectLst/>
-                          <a:latin typeface="Arial" charset="0"/>
-                          <a:ea typeface="ＭＳ Ｐゴシック" pitchFamily="-128" charset="-128"/>
-                          <a:cs typeface="Times New Roman" pitchFamily="-128" charset="0"/>
-                        </a:rPr>
-                        <a:t>←false</a:t>
-                      </a:r>
-                    </a:p>
-                  </a:txBody>
-                  <a:tcPr marT="45726" marB="45726" horzOverflow="overflow">
-                    <a:lnL w="12700" cap="flat" cmpd="sng" algn="ctr">
-                      <a:solidFill>
-                        <a:schemeClr val="tx1"/>
-                      </a:solidFill>
-                      <a:prstDash val="solid"/>
-                      <a:round/>
-                      <a:headEnd type="none" w="med" len="med"/>
-                      <a:tailEnd type="none" w="med" len="med"/>
-                    </a:lnL>
-                    <a:lnR w="28575" cap="flat" cmpd="sng" algn="ctr">
-                      <a:solidFill>
-                        <a:schemeClr val="tx1"/>
-                      </a:solidFill>
-                      <a:prstDash val="solid"/>
-                      <a:round/>
-                      <a:headEnd type="none" w="med" len="med"/>
-                      <a:tailEnd type="none" w="med" len="med"/>
-                    </a:lnR>
-                    <a:lnT w="12700" cap="flat" cmpd="sng" algn="ctr">
-                      <a:solidFill>
-                        <a:schemeClr val="tx1"/>
-                      </a:solidFill>
-                      <a:prstDash val="solid"/>
-                      <a:round/>
-                      <a:headEnd type="none" w="med" len="med"/>
-                      <a:tailEnd type="none" w="med" len="med"/>
-                    </a:lnT>
-                    <a:lnB w="28575" cap="flat" cmpd="sng" algn="ctr">
-                      <a:solidFill>
-                        <a:schemeClr val="tx1"/>
-                      </a:solidFill>
-                      <a:prstDash val="solid"/>
-                      <a:round/>
-                      <a:headEnd type="none" w="med" len="med"/>
-                      <a:tailEnd type="none" w="med" len="med"/>
-                    </a:lnB>
-                    <a:lnTlToBr>
-                      <a:noFill/>
-                    </a:lnTlToBr>
-                    <a:lnBlToTr>
-                      <a:noFill/>
-                    </a:lnBlToTr>
-                    <a:solidFill>
-                      <a:srgbClr val="99CCFF"/>
-                    </a:solidFill>
-                  </a:tcPr>
-                </a:tc>
-                <a:extLst>
-                  <a:ext uri="{0D108BD9-81ED-4DB2-BD59-A6C34878D82A}">
-                    <a16:rowId xmlns:a16="http://schemas.microsoft.com/office/drawing/2014/main" val="10008"/>
-                  </a:ext>
-                </a:extLst>
-              </a:tr>
-            </a:tbl>
-          </a:graphicData>
-        </a:graphic>
-      </p:graphicFrame>
-    </p:spTree>
-    <p:extLst>
-      <p:ext uri="{BB962C8B-B14F-4D97-AF65-F5344CB8AC3E}">
-        <p14:creationId xmlns:p14="http://schemas.microsoft.com/office/powerpoint/2010/main" val="2841673677"/>
-      </p:ext>
-    </p:extLst>
-  </p:cSld>
-  <p:clrMapOvr>
-    <a:masterClrMapping/>
-  </p:clrMapOvr>
-</p:sld>
-</file>
-
-<file path=ppt/slides/slide16.xml><?xml version="1.0" encoding="utf-8"?>
-<p:sld xmlns:a="http://schemas.openxmlformats.org/drawingml/2006/main" xmlns:r="http://schemas.openxmlformats.org/officeDocument/2006/relationships" xmlns:p="http://schemas.openxmlformats.org/presentationml/2006/main">
-  <p:cSld>
-    <p:spTree>
-      <p:nvGrpSpPr>
-        <p:cNvPr id="1" name=""/>
-        <p:cNvGrpSpPr/>
-        <p:nvPr/>
-      </p:nvGrpSpPr>
-      <p:grpSpPr>
-        <a:xfrm>
-          <a:off x="0" y="0"/>
-          <a:ext cx="0" cy="0"/>
-          <a:chOff x="0" y="0"/>
-          <a:chExt cx="0" cy="0"/>
-        </a:xfrm>
-      </p:grpSpPr>
-      <p:sp>
-        <p:nvSpPr>
-          <p:cNvPr id="2" name="Title 1">
-            <a:extLst>
-              <a:ext uri="{FF2B5EF4-FFF2-40B4-BE49-F238E27FC236}">
-                <a16:creationId xmlns:a16="http://schemas.microsoft.com/office/drawing/2014/main" id="{0C50A3BF-B88B-9A7C-DAAD-2F2CC489DDFE}"/>
-              </a:ext>
-            </a:extLst>
-          </p:cNvPr>
-          <p:cNvSpPr>
-            <a:spLocks noGrp="1"/>
-          </p:cNvSpPr>
-          <p:nvPr>
-            <p:ph type="title"/>
-          </p:nvPr>
-        </p:nvSpPr>
-        <p:spPr>
-          <a:xfrm>
-            <a:off x="966744" y="138950"/>
-            <a:ext cx="9076329" cy="1064277"/>
-          </a:xfrm>
-        </p:spPr>
-        <p:txBody>
-          <a:bodyPr>
-            <a:normAutofit fontScale="90000"/>
-          </a:bodyPr>
-          <a:lstStyle/>
-          <a:p>
-            <a:r>
-              <a:rPr lang="en-US" dirty="0"/>
-              <a:t>Proof of Mutual Exclusion in Ben-Ari “Attempt #3”</a:t>
-            </a:r>
-          </a:p>
-        </p:txBody>
-      </p:sp>
-      <p:sp>
-        <p:nvSpPr>
-          <p:cNvPr id="3" name="Content Placeholder 2">
-            <a:extLst>
-              <a:ext uri="{FF2B5EF4-FFF2-40B4-BE49-F238E27FC236}">
-                <a16:creationId xmlns:a16="http://schemas.microsoft.com/office/drawing/2014/main" id="{255036B0-4E5E-6FF8-C6B8-ED7D54426E60}"/>
-              </a:ext>
-            </a:extLst>
-          </p:cNvPr>
-          <p:cNvSpPr>
-            <a:spLocks noGrp="1"/>
-          </p:cNvSpPr>
-          <p:nvPr>
-            <p:ph idx="1"/>
-          </p:nvPr>
-        </p:nvSpPr>
-        <p:spPr>
-          <a:xfrm>
-            <a:off x="549056" y="2065867"/>
-            <a:ext cx="3424634" cy="4538133"/>
-          </a:xfrm>
-        </p:spPr>
-        <p:txBody>
-          <a:bodyPr>
-            <a:normAutofit fontScale="85000" lnSpcReduction="10000"/>
-          </a:bodyPr>
-          <a:lstStyle/>
-          <a:p>
-            <a:r>
-              <a:rPr lang="en-US" altLang="en-US" dirty="0"/>
-              <a:t>Base case: Initially (p1 ^ q1), so trivially satisfied.</a:t>
-            </a:r>
-          </a:p>
-          <a:p>
-            <a:pPr eaLnBrk="1" hangingPunct="1"/>
-            <a:r>
-              <a:rPr lang="en-US" altLang="en-US" sz="2400" dirty="0"/>
-              <a:t>If p4 became true in our n+1</a:t>
-            </a:r>
-            <a:r>
-              <a:rPr lang="en-US" altLang="en-US" sz="2400" baseline="30000" dirty="0"/>
-              <a:t>st</a:t>
-            </a:r>
-            <a:r>
-              <a:rPr lang="en-US" altLang="en-US" sz="2400" dirty="0"/>
-              <a:t> execution step, then the thread must have previously been at p3.  </a:t>
-            </a:r>
-          </a:p>
-          <a:p>
-            <a:pPr lvl="1" eaLnBrk="1" hangingPunct="1"/>
-            <a:r>
-              <a:rPr lang="en-US" altLang="en-US" sz="2000" b="1" dirty="0"/>
-              <a:t>In order to escape p3, </a:t>
-            </a:r>
-            <a:r>
-              <a:rPr lang="en-US" altLang="en-US" sz="2000" b="1" dirty="0" err="1"/>
-              <a:t>wantq</a:t>
-            </a:r>
-            <a:r>
-              <a:rPr lang="en-US" altLang="en-US" sz="2000" b="1" dirty="0"/>
-              <a:t> must be false.  But by Lemma 4.3, this means that q3..5 are false – in particular q4 is false.  So then </a:t>
-            </a:r>
-            <a:r>
-              <a:rPr lang="en-US" altLang="en-US" sz="2000" b="1" dirty="0">
-                <a:cs typeface="Times New Roman" panose="02020603050405020304" pitchFamily="18" charset="0"/>
-              </a:rPr>
-              <a:t>⌐</a:t>
-            </a:r>
-            <a:r>
-              <a:rPr lang="en-US" altLang="en-US" sz="2000" b="1" dirty="0"/>
-              <a:t>(p4</a:t>
-            </a:r>
-            <a:r>
-              <a:rPr lang="en-US" altLang="en-US" sz="2000" b="1" dirty="0">
-                <a:sym typeface="Symbol" panose="05050102010706020507" pitchFamily="18" charset="2"/>
-              </a:rPr>
-              <a:t>q4) is true.</a:t>
-            </a:r>
-          </a:p>
-          <a:p>
-            <a:pPr eaLnBrk="1" hangingPunct="1"/>
-            <a:r>
-              <a:rPr lang="en-US" altLang="en-US" sz="2400" dirty="0">
-                <a:sym typeface="Symbol" panose="05050102010706020507" pitchFamily="18" charset="2"/>
-              </a:rPr>
-              <a:t>A similar argument proceeds if we assume q4 became true in our n+1</a:t>
-            </a:r>
-            <a:r>
-              <a:rPr lang="en-US" altLang="en-US" sz="2400" baseline="30000" dirty="0">
-                <a:sym typeface="Symbol" panose="05050102010706020507" pitchFamily="18" charset="2"/>
-              </a:rPr>
-              <a:t>st</a:t>
-            </a:r>
-            <a:r>
-              <a:rPr lang="en-US" altLang="en-US" sz="2400" dirty="0">
-                <a:sym typeface="Symbol" panose="05050102010706020507" pitchFamily="18" charset="2"/>
-              </a:rPr>
-              <a:t> execution step.</a:t>
-            </a:r>
-          </a:p>
-          <a:p>
-            <a:endParaRPr lang="de-DE" altLang="en-US" dirty="0">
-              <a:sym typeface="Wingdings" panose="05000000000000000000" pitchFamily="2" charset="2"/>
-            </a:endParaRPr>
-          </a:p>
-        </p:txBody>
-      </p:sp>
-      <p:graphicFrame>
-        <p:nvGraphicFramePr>
-          <p:cNvPr id="4" name="Group 52">
-            <a:extLst>
-              <a:ext uri="{FF2B5EF4-FFF2-40B4-BE49-F238E27FC236}">
-                <a16:creationId xmlns:a16="http://schemas.microsoft.com/office/drawing/2014/main" id="{6AC3E06E-2998-A614-DF2B-BCBD3FA97EF0}"/>
-              </a:ext>
-            </a:extLst>
-          </p:cNvPr>
-          <p:cNvGraphicFramePr>
-            <a:graphicFrameLocks/>
-          </p:cNvGraphicFramePr>
-          <p:nvPr/>
-        </p:nvGraphicFramePr>
-        <p:xfrm>
-          <a:off x="4329288" y="696265"/>
-          <a:ext cx="7772400" cy="4664079"/>
-        </p:xfrm>
-        <a:graphic>
-          <a:graphicData uri="http://schemas.openxmlformats.org/drawingml/2006/table">
-            <a:tbl>
-              <a:tblPr/>
-              <a:tblGrid>
-                <a:gridCol w="3886200">
-                  <a:extLst>
-                    <a:ext uri="{9D8B030D-6E8A-4147-A177-3AD203B41FA5}">
-                      <a16:colId xmlns:a16="http://schemas.microsoft.com/office/drawing/2014/main" val="20000"/>
-                    </a:ext>
-                  </a:extLst>
-                </a:gridCol>
-                <a:gridCol w="3886200">
-                  <a:extLst>
-                    <a:ext uri="{9D8B030D-6E8A-4147-A177-3AD203B41FA5}">
-                      <a16:colId xmlns:a16="http://schemas.microsoft.com/office/drawing/2014/main" val="20001"/>
-                    </a:ext>
-                  </a:extLst>
-                </a:gridCol>
-              </a:tblGrid>
-              <a:tr h="518231">
-                <a:tc gridSpan="2">
-                  <a:txBody>
-                    <a:bodyPr/>
-                    <a:lstStyle/>
-                    <a:p>
-                      <a:pPr marL="0" marR="0" lvl="0" indent="0" algn="l" defTabSz="914400" rtl="0" eaLnBrk="1" fontAlgn="base" latinLnBrk="0" hangingPunct="1">
-                        <a:lnSpc>
-                          <a:spcPct val="100000"/>
-                        </a:lnSpc>
-                        <a:spcBef>
-                          <a:spcPct val="20000"/>
-                        </a:spcBef>
-                        <a:spcAft>
-                          <a:spcPct val="0"/>
-                        </a:spcAft>
-                        <a:buClrTx/>
-                        <a:buSzTx/>
-                        <a:buFontTx/>
-                        <a:buNone/>
-                        <a:tabLst/>
-                      </a:pPr>
-                      <a:r>
-                        <a:rPr kumimoji="0" lang="en-US" sz="2800" b="0" i="0" u="none" strike="noStrike" cap="none" normalizeH="0" baseline="0">
-                          <a:ln>
-                            <a:noFill/>
-                          </a:ln>
-                          <a:solidFill>
-                            <a:schemeClr val="tx1"/>
-                          </a:solidFill>
-                          <a:effectLst/>
-                          <a:latin typeface="Arial" charset="0"/>
-                          <a:ea typeface="ＭＳ Ｐゴシック" pitchFamily="-128" charset="-128"/>
-                        </a:rPr>
-                        <a:t>Algorithm 3.8:  Third attempt</a:t>
-                      </a:r>
-                    </a:p>
-                  </a:txBody>
-                  <a:tcPr marT="45726" marB="45726" horzOverflow="overflow">
-                    <a:lnL w="28575" cap="flat" cmpd="sng" algn="ctr">
-                      <a:solidFill>
-                        <a:schemeClr val="tx1"/>
-                      </a:solidFill>
-                      <a:prstDash val="solid"/>
-                      <a:round/>
-                      <a:headEnd type="none" w="med" len="med"/>
-                      <a:tailEnd type="none" w="med" len="med"/>
-                    </a:lnL>
-                    <a:lnR w="28575" cap="flat" cmpd="sng" algn="ctr">
-                      <a:solidFill>
-                        <a:schemeClr val="tx1"/>
-                      </a:solidFill>
-                      <a:prstDash val="solid"/>
-                      <a:round/>
-                      <a:headEnd type="none" w="med" len="med"/>
-                      <a:tailEnd type="none" w="med" len="med"/>
-                    </a:lnR>
-                    <a:lnT w="28575" cap="flat" cmpd="sng" algn="ctr">
-                      <a:solidFill>
-                        <a:schemeClr val="tx1"/>
-                      </a:solidFill>
-                      <a:prstDash val="solid"/>
-                      <a:round/>
-                      <a:headEnd type="none" w="med" len="med"/>
-                      <a:tailEnd type="none" w="med" len="med"/>
-                    </a:lnT>
-                    <a:lnB w="12700" cap="flat" cmpd="sng" algn="ctr">
-                      <a:solidFill>
-                        <a:schemeClr val="tx1"/>
-                      </a:solidFill>
-                      <a:prstDash val="solid"/>
-                      <a:round/>
-                      <a:headEnd type="none" w="med" len="med"/>
-                      <a:tailEnd type="none" w="med" len="med"/>
-                    </a:lnB>
-                    <a:lnTlToBr>
-                      <a:noFill/>
-                    </a:lnTlToBr>
-                    <a:lnBlToTr>
-                      <a:noFill/>
-                    </a:lnBlToTr>
-                    <a:noFill/>
-                  </a:tcPr>
-                </a:tc>
-                <a:tc hMerge="1">
-                  <a:txBody>
-                    <a:bodyPr/>
-                    <a:lstStyle/>
-                    <a:p>
-                      <a:endParaRPr lang="en-US"/>
-                    </a:p>
-                  </a:txBody>
-                  <a:tcPr/>
-                </a:tc>
-                <a:extLst>
-                  <a:ext uri="{0D108BD9-81ED-4DB2-BD59-A6C34878D82A}">
-                    <a16:rowId xmlns:a16="http://schemas.microsoft.com/office/drawing/2014/main" val="10000"/>
-                  </a:ext>
-                </a:extLst>
-              </a:tr>
-              <a:tr h="518231">
-                <a:tc gridSpan="2">
-                  <a:txBody>
-                    <a:bodyPr/>
-                    <a:lstStyle/>
-                    <a:p>
-                      <a:pPr marL="0" marR="0" lvl="0" indent="0" algn="l" defTabSz="914400" rtl="0" eaLnBrk="1" fontAlgn="base" latinLnBrk="0" hangingPunct="1">
-                        <a:lnSpc>
-                          <a:spcPct val="100000"/>
-                        </a:lnSpc>
-                        <a:spcBef>
-                          <a:spcPct val="20000"/>
-                        </a:spcBef>
-                        <a:spcAft>
-                          <a:spcPct val="0"/>
-                        </a:spcAft>
-                        <a:buClrTx/>
-                        <a:buSzTx/>
-                        <a:buFontTx/>
-                        <a:buNone/>
-                        <a:tabLst/>
-                      </a:pPr>
-                      <a:r>
-                        <a:rPr kumimoji="0" lang="en-US" sz="2800" b="0" i="0" u="none" strike="noStrike" cap="none" normalizeH="0" baseline="0" dirty="0">
-                          <a:ln>
-                            <a:noFill/>
-                          </a:ln>
-                          <a:solidFill>
-                            <a:schemeClr val="tx1"/>
-                          </a:solidFill>
-                          <a:effectLst/>
-                          <a:latin typeface="Arial" charset="0"/>
-                          <a:ea typeface="ＭＳ Ｐゴシック" pitchFamily="-128" charset="-128"/>
-                        </a:rPr>
-                        <a:t>Boolean </a:t>
-                      </a:r>
-                      <a:r>
-                        <a:rPr kumimoji="0" lang="en-US" sz="2800" b="0" i="0" u="none" strike="noStrike" cap="none" normalizeH="0" baseline="0" dirty="0" err="1">
-                          <a:ln>
-                            <a:noFill/>
-                          </a:ln>
-                          <a:solidFill>
-                            <a:schemeClr val="tx1"/>
-                          </a:solidFill>
-                          <a:effectLst/>
-                          <a:latin typeface="Arial" charset="0"/>
-                          <a:ea typeface="ＭＳ Ｐゴシック" pitchFamily="-128" charset="-128"/>
-                        </a:rPr>
-                        <a:t>wantp</a:t>
-                      </a:r>
-                      <a:r>
-                        <a:rPr kumimoji="0" lang="en-US" sz="2800" b="0" i="0" u="none" strike="noStrike" cap="none" normalizeH="0" baseline="0" dirty="0">
-                          <a:ln>
-                            <a:noFill/>
-                          </a:ln>
-                          <a:solidFill>
-                            <a:schemeClr val="tx1"/>
-                          </a:solidFill>
-                          <a:effectLst/>
-                          <a:latin typeface="Arial" charset="0"/>
-                          <a:ea typeface="ＭＳ Ｐゴシック" pitchFamily="-128" charset="-128"/>
-                        </a:rPr>
-                        <a:t> </a:t>
-                      </a:r>
-                      <a:r>
-                        <a:rPr kumimoji="0" lang="en-US" sz="2800" b="0" i="0" u="none" strike="noStrike" cap="none" normalizeH="0" baseline="0" dirty="0">
-                          <a:ln>
-                            <a:noFill/>
-                          </a:ln>
-                          <a:solidFill>
-                            <a:schemeClr val="tx1"/>
-                          </a:solidFill>
-                          <a:effectLst/>
-                          <a:latin typeface="Arial" charset="0"/>
-                          <a:ea typeface="ＭＳ Ｐゴシック" pitchFamily="-128" charset="-128"/>
-                          <a:cs typeface="Times New Roman" pitchFamily="-128" charset="0"/>
-                        </a:rPr>
-                        <a:t>←false, </a:t>
-                      </a:r>
-                      <a:r>
-                        <a:rPr kumimoji="0" lang="en-US" sz="2800" b="0" i="0" u="none" strike="noStrike" cap="none" normalizeH="0" baseline="0" dirty="0" err="1">
-                          <a:ln>
-                            <a:noFill/>
-                          </a:ln>
-                          <a:solidFill>
-                            <a:schemeClr val="tx1"/>
-                          </a:solidFill>
-                          <a:effectLst/>
-                          <a:latin typeface="Arial" charset="0"/>
-                          <a:ea typeface="ＭＳ Ｐゴシック" pitchFamily="-128" charset="-128"/>
-                          <a:cs typeface="Times New Roman" pitchFamily="-128" charset="0"/>
-                        </a:rPr>
-                        <a:t>wantq</a:t>
-                      </a:r>
-                      <a:r>
-                        <a:rPr kumimoji="0" lang="en-US" sz="2800" b="0" i="0" u="none" strike="noStrike" cap="none" normalizeH="0" baseline="0" dirty="0">
-                          <a:ln>
-                            <a:noFill/>
-                          </a:ln>
-                          <a:solidFill>
-                            <a:schemeClr val="tx1"/>
-                          </a:solidFill>
-                          <a:effectLst/>
-                          <a:latin typeface="Arial" charset="0"/>
-                          <a:ea typeface="ＭＳ Ｐゴシック" pitchFamily="-128" charset="-128"/>
-                          <a:cs typeface="Times New Roman" pitchFamily="-128" charset="0"/>
-                        </a:rPr>
-                        <a:t> ←false</a:t>
-                      </a:r>
-                    </a:p>
-                  </a:txBody>
-                  <a:tcPr marT="45726" marB="45726" horzOverflow="overflow">
-                    <a:lnL w="28575" cap="flat" cmpd="sng" algn="ctr">
-                      <a:solidFill>
-                        <a:schemeClr val="tx1"/>
-                      </a:solidFill>
-                      <a:prstDash val="solid"/>
-                      <a:round/>
-                      <a:headEnd type="none" w="med" len="med"/>
-                      <a:tailEnd type="none" w="med" len="med"/>
-                    </a:lnL>
-                    <a:lnR w="28575" cap="flat" cmpd="sng" algn="ctr">
-                      <a:solidFill>
-                        <a:schemeClr val="tx1"/>
-                      </a:solidFill>
-                      <a:prstDash val="solid"/>
-                      <a:round/>
-                      <a:headEnd type="none" w="med" len="med"/>
-                      <a:tailEnd type="none" w="med" len="med"/>
-                    </a:lnR>
-                    <a:lnT w="12700" cap="flat" cmpd="sng" algn="ctr">
-                      <a:solidFill>
-                        <a:schemeClr val="tx1"/>
-                      </a:solidFill>
-                      <a:prstDash val="solid"/>
-                      <a:round/>
-                      <a:headEnd type="none" w="med" len="med"/>
-                      <a:tailEnd type="none" w="med" len="med"/>
-                    </a:lnT>
-                    <a:lnB w="12700" cap="flat" cmpd="sng" algn="ctr">
-                      <a:solidFill>
-                        <a:schemeClr val="tx1"/>
-                      </a:solidFill>
-                      <a:prstDash val="solid"/>
-                      <a:round/>
-                      <a:headEnd type="none" w="med" len="med"/>
-                      <a:tailEnd type="none" w="med" len="med"/>
-                    </a:lnB>
-                    <a:lnTlToBr>
-                      <a:noFill/>
-                    </a:lnTlToBr>
-                    <a:lnBlToTr>
-                      <a:noFill/>
-                    </a:lnBlToTr>
-                    <a:noFill/>
-                  </a:tcPr>
-                </a:tc>
-                <a:tc hMerge="1">
-                  <a:txBody>
-                    <a:bodyPr/>
-                    <a:lstStyle/>
-                    <a:p>
-                      <a:endParaRPr lang="en-US"/>
-                    </a:p>
-                  </a:txBody>
-                  <a:tcPr/>
-                </a:tc>
-                <a:extLst>
-                  <a:ext uri="{0D108BD9-81ED-4DB2-BD59-A6C34878D82A}">
-                    <a16:rowId xmlns:a16="http://schemas.microsoft.com/office/drawing/2014/main" val="10001"/>
-                  </a:ext>
-                </a:extLst>
-              </a:tr>
-              <a:tr h="518231">
-                <a:tc>
-                  <a:txBody>
-                    <a:bodyPr/>
-                    <a:lstStyle/>
-                    <a:p>
-                      <a:pPr marL="0" marR="0" lvl="0" indent="0" algn="ctr" defTabSz="914400" rtl="0" eaLnBrk="1" fontAlgn="base" latinLnBrk="0" hangingPunct="1">
-                        <a:lnSpc>
-                          <a:spcPct val="100000"/>
-                        </a:lnSpc>
-                        <a:spcBef>
-                          <a:spcPct val="20000"/>
-                        </a:spcBef>
-                        <a:spcAft>
-                          <a:spcPct val="0"/>
-                        </a:spcAft>
-                        <a:buClrTx/>
-                        <a:buSzTx/>
-                        <a:buFontTx/>
-                        <a:buNone/>
-                        <a:tabLst/>
-                      </a:pPr>
-                      <a:r>
-                        <a:rPr kumimoji="0" lang="en-US" sz="2800" b="0" i="0" u="none" strike="noStrike" cap="none" normalizeH="0" baseline="0">
-                          <a:ln>
-                            <a:noFill/>
-                          </a:ln>
-                          <a:solidFill>
-                            <a:schemeClr val="tx1"/>
-                          </a:solidFill>
-                          <a:effectLst/>
-                          <a:latin typeface="Arial" charset="0"/>
-                          <a:ea typeface="ＭＳ Ｐゴシック" pitchFamily="-128" charset="-128"/>
-                        </a:rPr>
-                        <a:t>p</a:t>
-                      </a:r>
-                    </a:p>
-                  </a:txBody>
-                  <a:tcPr marT="45726" marB="45726" horzOverflow="overflow">
-                    <a:lnL w="28575" cap="flat" cmpd="sng" algn="ctr">
-                      <a:solidFill>
-                        <a:schemeClr val="tx1"/>
-                      </a:solidFill>
-                      <a:prstDash val="solid"/>
-                      <a:round/>
-                      <a:headEnd type="none" w="med" len="med"/>
-                      <a:tailEnd type="none" w="med" len="med"/>
-                    </a:lnL>
-                    <a:lnR w="12700" cap="flat" cmpd="sng" algn="ctr">
-                      <a:solidFill>
-                        <a:schemeClr val="tx1"/>
-                      </a:solidFill>
-                      <a:prstDash val="solid"/>
-                      <a:round/>
-                      <a:headEnd type="none" w="med" len="med"/>
-                      <a:tailEnd type="none" w="med" len="med"/>
-                    </a:lnR>
-                    <a:lnT w="12700" cap="flat" cmpd="sng" algn="ctr">
-                      <a:solidFill>
-                        <a:schemeClr val="tx1"/>
-                      </a:solidFill>
-                      <a:prstDash val="solid"/>
-                      <a:round/>
-                      <a:headEnd type="none" w="med" len="med"/>
-                      <a:tailEnd type="none" w="med" len="med"/>
-                    </a:lnT>
-                    <a:lnB w="12700" cap="flat" cmpd="sng" algn="ctr">
-                      <a:solidFill>
-                        <a:schemeClr val="tx1"/>
-                      </a:solidFill>
-                      <a:prstDash val="solid"/>
-                      <a:round/>
-                      <a:headEnd type="none" w="med" len="med"/>
-                      <a:tailEnd type="none" w="med" len="med"/>
-                    </a:lnB>
-                    <a:lnTlToBr>
-                      <a:noFill/>
-                    </a:lnTlToBr>
-                    <a:lnBlToTr>
-                      <a:noFill/>
-                    </a:lnBlToTr>
-                    <a:noFill/>
-                  </a:tcPr>
-                </a:tc>
-                <a:tc>
-                  <a:txBody>
-                    <a:bodyPr/>
-                    <a:lstStyle/>
-                    <a:p>
-                      <a:pPr marL="0" marR="0" lvl="0" indent="0" algn="ctr" defTabSz="914400" rtl="0" eaLnBrk="1" fontAlgn="base" latinLnBrk="0" hangingPunct="1">
-                        <a:lnSpc>
-                          <a:spcPct val="100000"/>
-                        </a:lnSpc>
-                        <a:spcBef>
-                          <a:spcPct val="20000"/>
-                        </a:spcBef>
-                        <a:spcAft>
-                          <a:spcPct val="0"/>
-                        </a:spcAft>
-                        <a:buClrTx/>
-                        <a:buSzTx/>
-                        <a:buFontTx/>
-                        <a:buNone/>
-                        <a:tabLst/>
-                      </a:pPr>
-                      <a:r>
-                        <a:rPr kumimoji="0" lang="en-US" sz="2800" b="0" i="0" u="none" strike="noStrike" cap="none" normalizeH="0" baseline="0" dirty="0">
-                          <a:ln>
-                            <a:noFill/>
-                          </a:ln>
-                          <a:solidFill>
-                            <a:schemeClr val="tx1"/>
-                          </a:solidFill>
-                          <a:effectLst/>
-                          <a:latin typeface="Arial" charset="0"/>
-                          <a:ea typeface="ＭＳ Ｐゴシック" pitchFamily="-128" charset="-128"/>
-                        </a:rPr>
-                        <a:t>q</a:t>
-                      </a:r>
-                    </a:p>
-                  </a:txBody>
-                  <a:tcPr marT="45726" marB="45726" horzOverflow="overflow">
-                    <a:lnL w="12700" cap="flat" cmpd="sng" algn="ctr">
-                      <a:solidFill>
-                        <a:schemeClr val="tx1"/>
-                      </a:solidFill>
-                      <a:prstDash val="solid"/>
-                      <a:round/>
-                      <a:headEnd type="none" w="med" len="med"/>
-                      <a:tailEnd type="none" w="med" len="med"/>
-                    </a:lnL>
-                    <a:lnR w="28575" cap="flat" cmpd="sng" algn="ctr">
-                      <a:solidFill>
-                        <a:schemeClr val="tx1"/>
-                      </a:solidFill>
-                      <a:prstDash val="solid"/>
-                      <a:round/>
-                      <a:headEnd type="none" w="med" len="med"/>
-                      <a:tailEnd type="none" w="med" len="med"/>
-                    </a:lnR>
-                    <a:lnT w="12700" cap="flat" cmpd="sng" algn="ctr">
-                      <a:solidFill>
-                        <a:schemeClr val="tx1"/>
-                      </a:solidFill>
-                      <a:prstDash val="solid"/>
-                      <a:round/>
-                      <a:headEnd type="none" w="med" len="med"/>
-                      <a:tailEnd type="none" w="med" len="med"/>
-                    </a:lnT>
-                    <a:lnB w="12700" cap="flat" cmpd="sng" algn="ctr">
-                      <a:solidFill>
-                        <a:schemeClr val="tx1"/>
-                      </a:solidFill>
-                      <a:prstDash val="solid"/>
-                      <a:round/>
-                      <a:headEnd type="none" w="med" len="med"/>
-                      <a:tailEnd type="none" w="med" len="med"/>
-                    </a:lnB>
-                    <a:lnTlToBr>
-                      <a:noFill/>
-                    </a:lnTlToBr>
-                    <a:lnBlToTr>
-                      <a:noFill/>
-                    </a:lnBlToTr>
-                    <a:noFill/>
-                  </a:tcPr>
-                </a:tc>
-                <a:extLst>
-                  <a:ext uri="{0D108BD9-81ED-4DB2-BD59-A6C34878D82A}">
-                    <a16:rowId xmlns:a16="http://schemas.microsoft.com/office/drawing/2014/main" val="10002"/>
-                  </a:ext>
-                </a:extLst>
-              </a:tr>
-              <a:tr h="518231">
-                <a:tc>
-                  <a:txBody>
-                    <a:bodyPr/>
-                    <a:lstStyle/>
-                    <a:p>
-                      <a:pPr marL="0" marR="0" lvl="0" indent="0" algn="l" defTabSz="914400" rtl="0" eaLnBrk="1" fontAlgn="base" latinLnBrk="0" hangingPunct="1">
-                        <a:lnSpc>
-                          <a:spcPct val="100000"/>
-                        </a:lnSpc>
-                        <a:spcBef>
-                          <a:spcPct val="20000"/>
-                        </a:spcBef>
-                        <a:spcAft>
-                          <a:spcPct val="0"/>
-                        </a:spcAft>
-                        <a:buClrTx/>
-                        <a:buSzTx/>
-                        <a:buFontTx/>
-                        <a:buNone/>
-                        <a:tabLst/>
-                      </a:pPr>
-                      <a:r>
-                        <a:rPr kumimoji="0" lang="en-US" sz="2800" b="0" i="0" u="none" strike="noStrike" cap="none" normalizeH="0" baseline="0">
-                          <a:ln>
-                            <a:noFill/>
-                          </a:ln>
-                          <a:solidFill>
-                            <a:schemeClr val="tx1"/>
-                          </a:solidFill>
-                          <a:effectLst/>
-                          <a:latin typeface="Arial" charset="0"/>
-                          <a:ea typeface="ＭＳ Ｐゴシック" pitchFamily="-128" charset="-128"/>
-                        </a:rPr>
-                        <a:t>Loop forever</a:t>
-                      </a:r>
-                    </a:p>
-                  </a:txBody>
-                  <a:tcPr marT="45726" marB="45726" horzOverflow="overflow">
-                    <a:lnL w="28575" cap="flat" cmpd="sng" algn="ctr">
-                      <a:solidFill>
-                        <a:schemeClr val="tx1"/>
-                      </a:solidFill>
-                      <a:prstDash val="solid"/>
-                      <a:round/>
-                      <a:headEnd type="none" w="med" len="med"/>
-                      <a:tailEnd type="none" w="med" len="med"/>
-                    </a:lnL>
-                    <a:lnR w="12700" cap="flat" cmpd="sng" algn="ctr">
-                      <a:solidFill>
-                        <a:schemeClr val="tx1"/>
-                      </a:solidFill>
-                      <a:prstDash val="solid"/>
-                      <a:round/>
-                      <a:headEnd type="none" w="med" len="med"/>
-                      <a:tailEnd type="none" w="med" len="med"/>
-                    </a:lnR>
-                    <a:lnT w="12700" cap="flat" cmpd="sng" algn="ctr">
-                      <a:solidFill>
-                        <a:schemeClr val="tx1"/>
-                      </a:solidFill>
-                      <a:prstDash val="solid"/>
-                      <a:round/>
-                      <a:headEnd type="none" w="med" len="med"/>
-                      <a:tailEnd type="none" w="med" len="med"/>
-                    </a:lnT>
-                    <a:lnB w="12700" cap="flat" cmpd="sng" algn="ctr">
-                      <a:solidFill>
-                        <a:schemeClr val="tx1"/>
-                      </a:solidFill>
-                      <a:prstDash val="solid"/>
-                      <a:round/>
-                      <a:headEnd type="none" w="med" len="med"/>
-                      <a:tailEnd type="none" w="med" len="med"/>
-                    </a:lnB>
-                    <a:lnTlToBr>
-                      <a:noFill/>
-                    </a:lnTlToBr>
-                    <a:lnBlToTr>
-                      <a:noFill/>
-                    </a:lnBlToTr>
-                    <a:noFill/>
-                  </a:tcPr>
-                </a:tc>
-                <a:tc>
-                  <a:txBody>
-                    <a:bodyPr/>
-                    <a:lstStyle/>
-                    <a:p>
-                      <a:pPr marL="0" marR="0" lvl="0" indent="0" algn="l" defTabSz="914400" rtl="0" eaLnBrk="1" fontAlgn="base" latinLnBrk="0" hangingPunct="1">
-                        <a:lnSpc>
-                          <a:spcPct val="100000"/>
-                        </a:lnSpc>
-                        <a:spcBef>
-                          <a:spcPct val="20000"/>
-                        </a:spcBef>
-                        <a:spcAft>
-                          <a:spcPct val="0"/>
-                        </a:spcAft>
-                        <a:buClrTx/>
-                        <a:buSzTx/>
-                        <a:buFontTx/>
-                        <a:buNone/>
-                        <a:tabLst/>
-                      </a:pPr>
-                      <a:r>
-                        <a:rPr kumimoji="0" lang="en-US" sz="2800" b="0" i="0" u="none" strike="noStrike" cap="none" normalizeH="0" baseline="0">
-                          <a:ln>
-                            <a:noFill/>
-                          </a:ln>
-                          <a:solidFill>
-                            <a:schemeClr val="tx1"/>
-                          </a:solidFill>
-                          <a:effectLst/>
-                          <a:latin typeface="Arial" charset="0"/>
-                          <a:ea typeface="ＭＳ Ｐゴシック" pitchFamily="-128" charset="-128"/>
-                        </a:rPr>
-                        <a:t>Loop forever</a:t>
-                      </a:r>
-                    </a:p>
-                  </a:txBody>
-                  <a:tcPr marT="45726" marB="45726" horzOverflow="overflow">
-                    <a:lnL w="12700" cap="flat" cmpd="sng" algn="ctr">
-                      <a:solidFill>
-                        <a:schemeClr val="tx1"/>
-                      </a:solidFill>
-                      <a:prstDash val="solid"/>
-                      <a:round/>
-                      <a:headEnd type="none" w="med" len="med"/>
-                      <a:tailEnd type="none" w="med" len="med"/>
-                    </a:lnL>
-                    <a:lnR w="28575" cap="flat" cmpd="sng" algn="ctr">
-                      <a:solidFill>
-                        <a:schemeClr val="tx1"/>
-                      </a:solidFill>
-                      <a:prstDash val="solid"/>
-                      <a:round/>
-                      <a:headEnd type="none" w="med" len="med"/>
-                      <a:tailEnd type="none" w="med" len="med"/>
-                    </a:lnR>
-                    <a:lnT w="12700" cap="flat" cmpd="sng" algn="ctr">
-                      <a:solidFill>
-                        <a:schemeClr val="tx1"/>
-                      </a:solidFill>
-                      <a:prstDash val="solid"/>
-                      <a:round/>
-                      <a:headEnd type="none" w="med" len="med"/>
-                      <a:tailEnd type="none" w="med" len="med"/>
-                    </a:lnT>
-                    <a:lnB w="12700" cap="flat" cmpd="sng" algn="ctr">
-                      <a:solidFill>
-                        <a:schemeClr val="tx1"/>
-                      </a:solidFill>
-                      <a:prstDash val="solid"/>
-                      <a:round/>
-                      <a:headEnd type="none" w="med" len="med"/>
-                      <a:tailEnd type="none" w="med" len="med"/>
-                    </a:lnB>
-                    <a:lnTlToBr>
-                      <a:noFill/>
-                    </a:lnTlToBr>
-                    <a:lnBlToTr>
-                      <a:noFill/>
-                    </a:lnBlToTr>
-                    <a:noFill/>
-                  </a:tcPr>
-                </a:tc>
-                <a:extLst>
-                  <a:ext uri="{0D108BD9-81ED-4DB2-BD59-A6C34878D82A}">
-                    <a16:rowId xmlns:a16="http://schemas.microsoft.com/office/drawing/2014/main" val="10003"/>
-                  </a:ext>
-                </a:extLst>
-              </a:tr>
-              <a:tr h="518231">
-                <a:tc>
-                  <a:txBody>
-                    <a:bodyPr/>
-                    <a:lstStyle/>
-                    <a:p>
-                      <a:pPr marL="0" marR="0" lvl="0" indent="0" algn="l" defTabSz="914400" rtl="0" eaLnBrk="1" fontAlgn="base" latinLnBrk="0" hangingPunct="1">
-                        <a:lnSpc>
-                          <a:spcPct val="100000"/>
-                        </a:lnSpc>
-                        <a:spcBef>
-                          <a:spcPct val="20000"/>
-                        </a:spcBef>
-                        <a:spcAft>
-                          <a:spcPct val="0"/>
-                        </a:spcAft>
-                        <a:buClrTx/>
-                        <a:buSzTx/>
-                        <a:buFontTx/>
-                        <a:buNone/>
-                        <a:tabLst/>
-                      </a:pPr>
-                      <a:r>
-                        <a:rPr kumimoji="0" lang="en-US" sz="2800" b="0" i="0" u="none" strike="noStrike" cap="none" normalizeH="0" baseline="0">
-                          <a:ln>
-                            <a:noFill/>
-                          </a:ln>
-                          <a:solidFill>
-                            <a:schemeClr val="tx1"/>
-                          </a:solidFill>
-                          <a:effectLst/>
-                          <a:latin typeface="Arial" charset="0"/>
-                          <a:ea typeface="ＭＳ Ｐゴシック" pitchFamily="-128" charset="-128"/>
-                        </a:rPr>
-                        <a:t>p1: non-critical section</a:t>
-                      </a:r>
-                    </a:p>
-                  </a:txBody>
-                  <a:tcPr marT="45726" marB="45726" horzOverflow="overflow">
-                    <a:lnL w="28575" cap="flat" cmpd="sng" algn="ctr">
-                      <a:solidFill>
-                        <a:schemeClr val="tx1"/>
-                      </a:solidFill>
-                      <a:prstDash val="solid"/>
-                      <a:round/>
-                      <a:headEnd type="none" w="med" len="med"/>
-                      <a:tailEnd type="none" w="med" len="med"/>
-                    </a:lnL>
-                    <a:lnR w="12700" cap="flat" cmpd="sng" algn="ctr">
-                      <a:solidFill>
-                        <a:schemeClr val="tx1"/>
-                      </a:solidFill>
-                      <a:prstDash val="solid"/>
-                      <a:round/>
-                      <a:headEnd type="none" w="med" len="med"/>
-                      <a:tailEnd type="none" w="med" len="med"/>
-                    </a:lnR>
-                    <a:lnT w="12700" cap="flat" cmpd="sng" algn="ctr">
-                      <a:solidFill>
-                        <a:schemeClr val="tx1"/>
-                      </a:solidFill>
-                      <a:prstDash val="solid"/>
-                      <a:round/>
-                      <a:headEnd type="none" w="med" len="med"/>
-                      <a:tailEnd type="none" w="med" len="med"/>
-                    </a:lnT>
-                    <a:lnB w="12700" cap="flat" cmpd="sng" algn="ctr">
-                      <a:solidFill>
-                        <a:schemeClr val="tx1"/>
-                      </a:solidFill>
-                      <a:prstDash val="solid"/>
-                      <a:round/>
-                      <a:headEnd type="none" w="med" len="med"/>
-                      <a:tailEnd type="none" w="med" len="med"/>
-                    </a:lnB>
-                    <a:lnTlToBr>
-                      <a:noFill/>
-                    </a:lnTlToBr>
-                    <a:lnBlToTr>
-                      <a:noFill/>
-                    </a:lnBlToTr>
-                    <a:noFill/>
-                  </a:tcPr>
-                </a:tc>
-                <a:tc>
-                  <a:txBody>
-                    <a:bodyPr/>
-                    <a:lstStyle/>
-                    <a:p>
-                      <a:pPr marL="0" marR="0" lvl="0" indent="0" algn="l" defTabSz="914400" rtl="0" eaLnBrk="1" fontAlgn="base" latinLnBrk="0" hangingPunct="1">
-                        <a:lnSpc>
-                          <a:spcPct val="100000"/>
-                        </a:lnSpc>
-                        <a:spcBef>
-                          <a:spcPct val="20000"/>
-                        </a:spcBef>
-                        <a:spcAft>
-                          <a:spcPct val="0"/>
-                        </a:spcAft>
-                        <a:buClrTx/>
-                        <a:buSzTx/>
-                        <a:buFontTx/>
-                        <a:buNone/>
-                        <a:tabLst/>
-                      </a:pPr>
-                      <a:r>
-                        <a:rPr kumimoji="0" lang="en-US" sz="2800" b="0" i="0" u="none" strike="noStrike" cap="none" normalizeH="0" baseline="0">
-                          <a:ln>
-                            <a:noFill/>
-                          </a:ln>
-                          <a:solidFill>
-                            <a:schemeClr val="tx1"/>
-                          </a:solidFill>
-                          <a:effectLst/>
-                          <a:latin typeface="Arial" charset="0"/>
-                          <a:ea typeface="ＭＳ Ｐゴシック" pitchFamily="-128" charset="-128"/>
-                        </a:rPr>
-                        <a:t>q1: non-critical section</a:t>
-                      </a:r>
-                    </a:p>
-                  </a:txBody>
-                  <a:tcPr marT="45726" marB="45726" horzOverflow="overflow">
-                    <a:lnL w="12700" cap="flat" cmpd="sng" algn="ctr">
-                      <a:solidFill>
-                        <a:schemeClr val="tx1"/>
-                      </a:solidFill>
-                      <a:prstDash val="solid"/>
-                      <a:round/>
-                      <a:headEnd type="none" w="med" len="med"/>
-                      <a:tailEnd type="none" w="med" len="med"/>
-                    </a:lnL>
-                    <a:lnR w="28575" cap="flat" cmpd="sng" algn="ctr">
-                      <a:solidFill>
-                        <a:schemeClr val="tx1"/>
-                      </a:solidFill>
-                      <a:prstDash val="solid"/>
-                      <a:round/>
-                      <a:headEnd type="none" w="med" len="med"/>
-                      <a:tailEnd type="none" w="med" len="med"/>
-                    </a:lnR>
-                    <a:lnT w="12700" cap="flat" cmpd="sng" algn="ctr">
-                      <a:solidFill>
-                        <a:schemeClr val="tx1"/>
-                      </a:solidFill>
-                      <a:prstDash val="solid"/>
-                      <a:round/>
-                      <a:headEnd type="none" w="med" len="med"/>
-                      <a:tailEnd type="none" w="med" len="med"/>
-                    </a:lnT>
-                    <a:lnB w="12700" cap="flat" cmpd="sng" algn="ctr">
-                      <a:solidFill>
-                        <a:schemeClr val="tx1"/>
-                      </a:solidFill>
-                      <a:prstDash val="solid"/>
-                      <a:round/>
-                      <a:headEnd type="none" w="med" len="med"/>
-                      <a:tailEnd type="none" w="med" len="med"/>
-                    </a:lnB>
-                    <a:lnTlToBr>
-                      <a:noFill/>
-                    </a:lnTlToBr>
-                    <a:lnBlToTr>
-                      <a:noFill/>
-                    </a:lnBlToTr>
-                    <a:noFill/>
-                  </a:tcPr>
-                </a:tc>
-                <a:extLst>
-                  <a:ext uri="{0D108BD9-81ED-4DB2-BD59-A6C34878D82A}">
-                    <a16:rowId xmlns:a16="http://schemas.microsoft.com/office/drawing/2014/main" val="10004"/>
-                  </a:ext>
-                </a:extLst>
-              </a:tr>
-              <a:tr h="518231">
-                <a:tc>
-                  <a:txBody>
-                    <a:bodyPr/>
-                    <a:lstStyle/>
-                    <a:p>
-                      <a:pPr marL="0" marR="0" lvl="0" indent="0" algn="l" defTabSz="914400" rtl="0" eaLnBrk="1" fontAlgn="base" latinLnBrk="0" hangingPunct="1">
-                        <a:lnSpc>
-                          <a:spcPct val="100000"/>
-                        </a:lnSpc>
-                        <a:spcBef>
-                          <a:spcPct val="20000"/>
-                        </a:spcBef>
-                        <a:spcAft>
-                          <a:spcPct val="0"/>
-                        </a:spcAft>
-                        <a:buClrTx/>
-                        <a:buSzTx/>
-                        <a:buFontTx/>
-                        <a:buNone/>
-                        <a:tabLst/>
-                      </a:pPr>
-                      <a:r>
-                        <a:rPr kumimoji="0" lang="en-US" sz="2800" b="0" i="0" u="none" strike="noStrike" cap="none" normalizeH="0" baseline="0">
-                          <a:ln>
-                            <a:noFill/>
-                          </a:ln>
-                          <a:solidFill>
-                            <a:schemeClr val="tx1"/>
-                          </a:solidFill>
-                          <a:effectLst/>
-                          <a:latin typeface="Arial" charset="0"/>
-                          <a:ea typeface="ＭＳ Ｐゴシック" pitchFamily="-128" charset="-128"/>
-                        </a:rPr>
-                        <a:t>p2: wantp </a:t>
-                      </a:r>
-                      <a:r>
-                        <a:rPr kumimoji="0" lang="en-US" sz="2800" b="0" i="0" u="none" strike="noStrike" cap="none" normalizeH="0" baseline="0">
-                          <a:ln>
-                            <a:noFill/>
-                          </a:ln>
-                          <a:solidFill>
-                            <a:schemeClr val="tx1"/>
-                          </a:solidFill>
-                          <a:effectLst/>
-                          <a:latin typeface="Arial" charset="0"/>
-                          <a:ea typeface="ＭＳ Ｐゴシック" pitchFamily="-128" charset="-128"/>
-                          <a:cs typeface="Times New Roman" pitchFamily="-128" charset="0"/>
-                        </a:rPr>
-                        <a:t>← true</a:t>
-                      </a:r>
-                    </a:p>
-                  </a:txBody>
-                  <a:tcPr marT="45726" marB="45726" horzOverflow="overflow">
-                    <a:lnL w="28575" cap="flat" cmpd="sng" algn="ctr">
-                      <a:solidFill>
-                        <a:schemeClr val="tx1"/>
-                      </a:solidFill>
-                      <a:prstDash val="solid"/>
-                      <a:round/>
-                      <a:headEnd type="none" w="med" len="med"/>
-                      <a:tailEnd type="none" w="med" len="med"/>
-                    </a:lnL>
-                    <a:lnR w="12700" cap="flat" cmpd="sng" algn="ctr">
-                      <a:solidFill>
-                        <a:schemeClr val="tx1"/>
-                      </a:solidFill>
-                      <a:prstDash val="solid"/>
-                      <a:round/>
-                      <a:headEnd type="none" w="med" len="med"/>
-                      <a:tailEnd type="none" w="med" len="med"/>
-                    </a:lnR>
-                    <a:lnT w="12700" cap="flat" cmpd="sng" algn="ctr">
-                      <a:solidFill>
-                        <a:schemeClr val="tx1"/>
-                      </a:solidFill>
-                      <a:prstDash val="solid"/>
-                      <a:round/>
-                      <a:headEnd type="none" w="med" len="med"/>
-                      <a:tailEnd type="none" w="med" len="med"/>
-                    </a:lnT>
-                    <a:lnB w="12700" cap="flat" cmpd="sng" algn="ctr">
-                      <a:solidFill>
-                        <a:schemeClr val="tx1"/>
-                      </a:solidFill>
-                      <a:prstDash val="solid"/>
-                      <a:round/>
-                      <a:headEnd type="none" w="med" len="med"/>
-                      <a:tailEnd type="none" w="med" len="med"/>
-                    </a:lnB>
-                    <a:lnTlToBr>
-                      <a:noFill/>
-                    </a:lnTlToBr>
-                    <a:lnBlToTr>
-                      <a:noFill/>
-                    </a:lnBlToTr>
-                    <a:solidFill>
-                      <a:srgbClr val="FF99CC"/>
-                    </a:solidFill>
-                  </a:tcPr>
-                </a:tc>
-                <a:tc>
-                  <a:txBody>
-                    <a:bodyPr/>
-                    <a:lstStyle/>
-                    <a:p>
-                      <a:pPr marL="0" marR="0" lvl="0" indent="0" algn="l" defTabSz="914400" rtl="0" eaLnBrk="1" fontAlgn="base" latinLnBrk="0" hangingPunct="1">
-                        <a:lnSpc>
-                          <a:spcPct val="100000"/>
-                        </a:lnSpc>
-                        <a:spcBef>
-                          <a:spcPct val="20000"/>
-                        </a:spcBef>
-                        <a:spcAft>
-                          <a:spcPct val="0"/>
-                        </a:spcAft>
-                        <a:buClrTx/>
-                        <a:buSzTx/>
-                        <a:buFontTx/>
-                        <a:buNone/>
-                        <a:tabLst/>
-                      </a:pPr>
-                      <a:r>
-                        <a:rPr kumimoji="0" lang="en-US" sz="2800" b="0" i="0" u="none" strike="noStrike" cap="none" normalizeH="0" baseline="0">
-                          <a:ln>
-                            <a:noFill/>
-                          </a:ln>
-                          <a:solidFill>
-                            <a:schemeClr val="tx1"/>
-                          </a:solidFill>
-                          <a:effectLst/>
-                          <a:latin typeface="Arial" charset="0"/>
-                          <a:ea typeface="ＭＳ Ｐゴシック" pitchFamily="-128" charset="-128"/>
-                        </a:rPr>
-                        <a:t>q2: wantq </a:t>
-                      </a:r>
-                      <a:r>
-                        <a:rPr kumimoji="0" lang="en-US" sz="2800" b="0" i="0" u="none" strike="noStrike" cap="none" normalizeH="0" baseline="0">
-                          <a:ln>
-                            <a:noFill/>
-                          </a:ln>
-                          <a:solidFill>
-                            <a:schemeClr val="tx1"/>
-                          </a:solidFill>
-                          <a:effectLst/>
-                          <a:latin typeface="Arial" charset="0"/>
-                          <a:ea typeface="ＭＳ Ｐゴシック" pitchFamily="-128" charset="-128"/>
-                          <a:cs typeface="Times New Roman" pitchFamily="-128" charset="0"/>
-                        </a:rPr>
-                        <a:t>←true</a:t>
-                      </a:r>
-                    </a:p>
-                  </a:txBody>
-                  <a:tcPr marT="45726" marB="45726" horzOverflow="overflow">
-                    <a:lnL w="12700" cap="flat" cmpd="sng" algn="ctr">
-                      <a:solidFill>
-                        <a:schemeClr val="tx1"/>
-                      </a:solidFill>
-                      <a:prstDash val="solid"/>
-                      <a:round/>
-                      <a:headEnd type="none" w="med" len="med"/>
-                      <a:tailEnd type="none" w="med" len="med"/>
-                    </a:lnL>
-                    <a:lnR w="28575" cap="flat" cmpd="sng" algn="ctr">
-                      <a:solidFill>
-                        <a:schemeClr val="tx1"/>
-                      </a:solidFill>
-                      <a:prstDash val="solid"/>
-                      <a:round/>
-                      <a:headEnd type="none" w="med" len="med"/>
-                      <a:tailEnd type="none" w="med" len="med"/>
-                    </a:lnR>
-                    <a:lnT w="12700" cap="flat" cmpd="sng" algn="ctr">
-                      <a:solidFill>
-                        <a:schemeClr val="tx1"/>
-                      </a:solidFill>
-                      <a:prstDash val="solid"/>
-                      <a:round/>
-                      <a:headEnd type="none" w="med" len="med"/>
-                      <a:tailEnd type="none" w="med" len="med"/>
-                    </a:lnT>
-                    <a:lnB w="12700" cap="flat" cmpd="sng" algn="ctr">
-                      <a:solidFill>
-                        <a:schemeClr val="tx1"/>
-                      </a:solidFill>
-                      <a:prstDash val="solid"/>
-                      <a:round/>
-                      <a:headEnd type="none" w="med" len="med"/>
-                      <a:tailEnd type="none" w="med" len="med"/>
-                    </a:lnB>
-                    <a:lnTlToBr>
-                      <a:noFill/>
-                    </a:lnTlToBr>
-                    <a:lnBlToTr>
-                      <a:noFill/>
-                    </a:lnBlToTr>
-                    <a:solidFill>
-                      <a:srgbClr val="FFCCFF"/>
-                    </a:solidFill>
-                  </a:tcPr>
-                </a:tc>
-                <a:extLst>
-                  <a:ext uri="{0D108BD9-81ED-4DB2-BD59-A6C34878D82A}">
-                    <a16:rowId xmlns:a16="http://schemas.microsoft.com/office/drawing/2014/main" val="10005"/>
-                  </a:ext>
-                </a:extLst>
-              </a:tr>
-              <a:tr h="518231">
-                <a:tc>
-                  <a:txBody>
-                    <a:bodyPr/>
-                    <a:lstStyle/>
-                    <a:p>
-                      <a:pPr marL="0" marR="0" lvl="0" indent="0" algn="l" defTabSz="914400" rtl="0" eaLnBrk="1" fontAlgn="base" latinLnBrk="0" hangingPunct="1">
-                        <a:lnSpc>
-                          <a:spcPct val="100000"/>
-                        </a:lnSpc>
-                        <a:spcBef>
-                          <a:spcPct val="20000"/>
-                        </a:spcBef>
-                        <a:spcAft>
-                          <a:spcPct val="0"/>
-                        </a:spcAft>
-                        <a:buClrTx/>
-                        <a:buSzTx/>
-                        <a:buFontTx/>
-                        <a:buNone/>
-                        <a:tabLst/>
-                      </a:pPr>
-                      <a:r>
-                        <a:rPr kumimoji="0" lang="en-US" sz="2800" b="0" i="0" u="none" strike="noStrike" cap="none" normalizeH="0" baseline="0">
-                          <a:ln>
-                            <a:noFill/>
-                          </a:ln>
-                          <a:solidFill>
-                            <a:schemeClr val="tx1"/>
-                          </a:solidFill>
-                          <a:effectLst/>
-                          <a:latin typeface="Arial" charset="0"/>
-                          <a:ea typeface="ＭＳ Ｐゴシック" pitchFamily="-128" charset="-128"/>
-                        </a:rPr>
-                        <a:t>p3: await wantq=false</a:t>
-                      </a:r>
-                    </a:p>
-                  </a:txBody>
-                  <a:tcPr marT="45726" marB="45726" horzOverflow="overflow">
-                    <a:lnL w="28575" cap="flat" cmpd="sng" algn="ctr">
-                      <a:solidFill>
-                        <a:schemeClr val="tx1"/>
-                      </a:solidFill>
-                      <a:prstDash val="solid"/>
-                      <a:round/>
-                      <a:headEnd type="none" w="med" len="med"/>
-                      <a:tailEnd type="none" w="med" len="med"/>
-                    </a:lnL>
-                    <a:lnR w="12700" cap="flat" cmpd="sng" algn="ctr">
-                      <a:solidFill>
-                        <a:schemeClr val="tx1"/>
-                      </a:solidFill>
-                      <a:prstDash val="solid"/>
-                      <a:round/>
-                      <a:headEnd type="none" w="med" len="med"/>
-                      <a:tailEnd type="none" w="med" len="med"/>
-                    </a:lnR>
-                    <a:lnT w="12700" cap="flat" cmpd="sng" algn="ctr">
-                      <a:solidFill>
-                        <a:schemeClr val="tx1"/>
-                      </a:solidFill>
-                      <a:prstDash val="solid"/>
-                      <a:round/>
-                      <a:headEnd type="none" w="med" len="med"/>
-                      <a:tailEnd type="none" w="med" len="med"/>
-                    </a:lnT>
-                    <a:lnB w="12700" cap="flat" cmpd="sng" algn="ctr">
-                      <a:solidFill>
-                        <a:schemeClr val="tx1"/>
-                      </a:solidFill>
-                      <a:prstDash val="solid"/>
-                      <a:round/>
-                      <a:headEnd type="none" w="med" len="med"/>
-                      <a:tailEnd type="none" w="med" len="med"/>
-                    </a:lnB>
-                    <a:lnTlToBr>
-                      <a:noFill/>
-                    </a:lnTlToBr>
-                    <a:lnBlToTr>
-                      <a:noFill/>
-                    </a:lnBlToTr>
-                    <a:solidFill>
-                      <a:srgbClr val="FF99CC"/>
-                    </a:solidFill>
-                  </a:tcPr>
-                </a:tc>
-                <a:tc>
-                  <a:txBody>
-                    <a:bodyPr/>
-                    <a:lstStyle/>
-                    <a:p>
-                      <a:pPr marL="0" marR="0" lvl="0" indent="0" algn="l" defTabSz="914400" rtl="0" eaLnBrk="1" fontAlgn="base" latinLnBrk="0" hangingPunct="1">
-                        <a:lnSpc>
-                          <a:spcPct val="100000"/>
-                        </a:lnSpc>
-                        <a:spcBef>
-                          <a:spcPct val="20000"/>
-                        </a:spcBef>
-                        <a:spcAft>
-                          <a:spcPct val="0"/>
-                        </a:spcAft>
-                        <a:buClrTx/>
-                        <a:buSzTx/>
-                        <a:buFontTx/>
-                        <a:buNone/>
-                        <a:tabLst/>
-                      </a:pPr>
-                      <a:r>
-                        <a:rPr kumimoji="0" lang="en-US" sz="2800" b="0" i="0" u="none" strike="noStrike" cap="none" normalizeH="0" baseline="0">
-                          <a:ln>
-                            <a:noFill/>
-                          </a:ln>
-                          <a:solidFill>
-                            <a:schemeClr val="tx1"/>
-                          </a:solidFill>
-                          <a:effectLst/>
-                          <a:latin typeface="Arial" charset="0"/>
-                          <a:ea typeface="ＭＳ Ｐゴシック" pitchFamily="-128" charset="-128"/>
-                        </a:rPr>
-                        <a:t>Await wantp=false</a:t>
+                        <a:t>=false</a:t>
                       </a:r>
                     </a:p>
                   </a:txBody>
@@ -23388,6 +22008,60 @@
           </a:graphicData>
         </a:graphic>
       </p:graphicFrame>
+      <p:sp>
+        <p:nvSpPr>
+          <p:cNvPr id="8" name="Title 1">
+            <a:extLst>
+              <a:ext uri="{FF2B5EF4-FFF2-40B4-BE49-F238E27FC236}">
+                <a16:creationId xmlns:a16="http://schemas.microsoft.com/office/drawing/2014/main" id="{DA06818B-629E-B964-8A6A-8B2FC15746C6}"/>
+              </a:ext>
+            </a:extLst>
+          </p:cNvPr>
+          <p:cNvSpPr txBox="1">
+            <a:spLocks/>
+          </p:cNvSpPr>
+          <p:nvPr/>
+        </p:nvSpPr>
+        <p:spPr>
+          <a:xfrm>
+            <a:off x="966744" y="-120697"/>
+            <a:ext cx="9667389" cy="1064277"/>
+          </a:xfrm>
+          <a:prstGeom prst="rect">
+            <a:avLst/>
+          </a:prstGeom>
+        </p:spPr>
+        <p:txBody>
+          <a:bodyPr vert="horz" lIns="91440" tIns="45720" rIns="91440" bIns="45720" rtlCol="0" anchor="ctr">
+            <a:normAutofit fontScale="90000"/>
+          </a:bodyPr>
+          <a:lstStyle>
+            <a:lvl1pPr algn="l" defTabSz="914400" rtl="0" eaLnBrk="1" latinLnBrk="0" hangingPunct="1">
+              <a:lnSpc>
+                <a:spcPct val="100000"/>
+              </a:lnSpc>
+              <a:spcBef>
+                <a:spcPct val="0"/>
+              </a:spcBef>
+              <a:buNone/>
+              <a:defRPr sz="4000" kern="1200">
+                <a:solidFill>
+                  <a:schemeClr val="tx2"/>
+                </a:solidFill>
+                <a:latin typeface="+mj-lt"/>
+                <a:ea typeface="+mj-ea"/>
+                <a:cs typeface="+mj-cs"/>
+              </a:defRPr>
+            </a:lvl1pPr>
+          </a:lstStyle>
+          <a:p>
+            <a:r>
+              <a:rPr lang="en-US" dirty="0"/>
+              <a:t>Proof of Mutual Exclusion in Ben-Ari “Attempt #3”</a:t>
+            </a:r>
+          </a:p>
+        </p:txBody>
+      </p:sp>
     </p:spTree>
     <p:extLst>
       <p:ext uri="{BB962C8B-B14F-4D97-AF65-F5344CB8AC3E}">
@@ -23401,7 +22075,7 @@
 </p:sld>
 </file>
 
-<file path=ppt/slides/slide17.xml><?xml version="1.0" encoding="utf-8"?>
+<file path=ppt/slides/slide16.xml><?xml version="1.0" encoding="utf-8"?>
 <p:sld xmlns:a="http://schemas.openxmlformats.org/drawingml/2006/main" xmlns:r="http://schemas.openxmlformats.org/officeDocument/2006/relationships" xmlns:p="http://schemas.openxmlformats.org/presentationml/2006/main">
   <p:cSld>
     <p:spTree>
@@ -24880,14 +23554,7 @@
             </a:r>
             <a:r>
               <a:rPr lang="de-DE" altLang="en-US" dirty="0"/>
-              <a:t> wants to enter the critical section </a:t>
-            </a:r>
-            <a:br>
-              <a:rPr lang="de-DE" altLang="en-US" dirty="0"/>
-            </a:br>
-            <a:r>
-              <a:rPr lang="de-DE" altLang="en-US" dirty="0"/>
-              <a:t>it will eventually enter the critical section</a:t>
+              <a:t> wants to enter the critical section, it will eventually do so</a:t>
             </a:r>
           </a:p>
           <a:p>
@@ -30114,7 +28781,7 @@
               <a:rPr lang="de-DE" altLang="en-US" sz="1600" b="1" dirty="0">
                 <a:sym typeface="Symbol" panose="05050102010706020507" pitchFamily="18" charset="2"/>
               </a:rPr>
-              <a:t>      (see p)</a:t>
+              <a:t>        (see p)</a:t>
             </a:r>
           </a:p>
           <a:p>
@@ -30402,16 +29069,7 @@
             </a:pPr>
             <a:r>
               <a:rPr lang="de-DE" altLang="en-US" sz="1600" dirty="0"/>
-              <a:t>     outline of the proof.</a:t>
-            </a:r>
-          </a:p>
-          <a:p>
-            <a:pPr marL="0" indent="0">
-              <a:buNone/>
-            </a:pPr>
-            <a:r>
-              <a:rPr lang="de-DE" altLang="en-US" sz="1600" dirty="0"/>
-              <a:t>	proof by contradiction: assume </a:t>
+              <a:t>     outline of the proof by contradiction: assume </a:t>
             </a:r>
             <a:r>
               <a:rPr lang="de-DE" altLang="en-US" sz="1600" b="1" dirty="0"/>

--- a/files/lectures/mutexcorrectness.pptx
+++ b/files/lectures/mutexcorrectness.pptx
@@ -212,7 +212,7 @@
           <a:p>
             <a:fld id="{90968C49-1136-4CD6-BF84-09BF06A9E6ED}" type="datetimeFigureOut">
               <a:rPr lang="en-US" smtClean="0"/>
-              <a:t>1/12/2024</a:t>
+              <a:t>1/16/2024</a:t>
             </a:fld>
             <a:endParaRPr lang="en-US"/>
           </a:p>
@@ -2204,7 +2204,7 @@
           <a:p>
             <a:fld id="{11008460-8B2F-4AAA-A4E2-10730069204C}" type="datetimeFigureOut">
               <a:rPr lang="en-US" smtClean="0"/>
-              <a:t>1/12/2024</a:t>
+              <a:t>1/16/2024</a:t>
             </a:fld>
             <a:endParaRPr lang="en-US"/>
           </a:p>
@@ -4548,7 +4548,7 @@
           <a:p>
             <a:fld id="{11008460-8B2F-4AAA-A4E2-10730069204C}" type="datetimeFigureOut">
               <a:rPr lang="en-US" smtClean="0"/>
-              <a:t>1/12/2024</a:t>
+              <a:t>1/16/2024</a:t>
             </a:fld>
             <a:endParaRPr lang="en-US"/>
           </a:p>
@@ -6892,7 +6892,7 @@
           <a:p>
             <a:fld id="{11008460-8B2F-4AAA-A4E2-10730069204C}" type="datetimeFigureOut">
               <a:rPr lang="en-US" smtClean="0"/>
-              <a:t>1/12/2024</a:t>
+              <a:t>1/16/2024</a:t>
             </a:fld>
             <a:endParaRPr lang="en-US"/>
           </a:p>
@@ -7334,7 +7334,7 @@
           <a:p>
             <a:fld id="{11008460-8B2F-4AAA-A4E2-10730069204C}" type="datetimeFigureOut">
               <a:rPr lang="en-US" smtClean="0"/>
-              <a:t>1/12/2024</a:t>
+              <a:t>1/16/2024</a:t>
             </a:fld>
             <a:endParaRPr lang="en-US"/>
           </a:p>
@@ -7607,7 +7607,7 @@
           <a:p>
             <a:fld id="{11008460-8B2F-4AAA-A4E2-10730069204C}" type="datetimeFigureOut">
               <a:rPr lang="en-US" smtClean="0"/>
-              <a:t>1/12/2024</a:t>
+              <a:t>1/16/2024</a:t>
             </a:fld>
             <a:endParaRPr lang="en-US"/>
           </a:p>
@@ -7872,7 +7872,7 @@
           <a:p>
             <a:fld id="{11008460-8B2F-4AAA-A4E2-10730069204C}" type="datetimeFigureOut">
               <a:rPr lang="en-US" smtClean="0"/>
-              <a:t>1/12/2024</a:t>
+              <a:t>1/16/2024</a:t>
             </a:fld>
             <a:endParaRPr lang="en-US"/>
           </a:p>
@@ -8288,7 +8288,7 @@
           <a:p>
             <a:fld id="{11008460-8B2F-4AAA-A4E2-10730069204C}" type="datetimeFigureOut">
               <a:rPr lang="en-US" smtClean="0"/>
-              <a:t>1/12/2024</a:t>
+              <a:t>1/16/2024</a:t>
             </a:fld>
             <a:endParaRPr lang="en-US"/>
           </a:p>
@@ -8429,7 +8429,7 @@
           <a:p>
             <a:fld id="{11008460-8B2F-4AAA-A4E2-10730069204C}" type="datetimeFigureOut">
               <a:rPr lang="en-US" smtClean="0"/>
-              <a:t>1/12/2024</a:t>
+              <a:t>1/16/2024</a:t>
             </a:fld>
             <a:endParaRPr lang="en-US"/>
           </a:p>
@@ -8542,7 +8542,7 @@
           <a:p>
             <a:fld id="{11008460-8B2F-4AAA-A4E2-10730069204C}" type="datetimeFigureOut">
               <a:rPr lang="en-US" smtClean="0"/>
-              <a:t>1/12/2024</a:t>
+              <a:t>1/16/2024</a:t>
             </a:fld>
             <a:endParaRPr lang="en-US"/>
           </a:p>
@@ -8853,7 +8853,7 @@
           <a:p>
             <a:fld id="{11008460-8B2F-4AAA-A4E2-10730069204C}" type="datetimeFigureOut">
               <a:rPr lang="en-US" smtClean="0"/>
-              <a:t>1/12/2024</a:t>
+              <a:t>1/16/2024</a:t>
             </a:fld>
             <a:endParaRPr lang="en-US"/>
           </a:p>
@@ -9141,7 +9141,7 @@
           <a:p>
             <a:fld id="{11008460-8B2F-4AAA-A4E2-10730069204C}" type="datetimeFigureOut">
               <a:rPr lang="en-US" smtClean="0"/>
-              <a:t>1/12/2024</a:t>
+              <a:t>1/16/2024</a:t>
             </a:fld>
             <a:endParaRPr lang="en-US"/>
           </a:p>
@@ -11519,7 +11519,7 @@
             <a:fld id="{11008460-8B2F-4AAA-A4E2-10730069204C}" type="datetimeFigureOut">
               <a:rPr lang="en-US" smtClean="0"/>
               <a:pPr/>
-              <a:t>1/12/2024</a:t>
+              <a:t>1/16/2024</a:t>
             </a:fld>
             <a:endParaRPr lang="en-US" dirty="0"/>
           </a:p>
@@ -28877,7 +28877,7 @@
                 </a:solidFill>
                 <a:sym typeface="Symbol" panose="05050102010706020507" pitchFamily="18" charset="2"/>
               </a:rPr>
-              <a:t>klaar</a:t>
+              <a:t>QED</a:t>
             </a:r>
           </a:p>
         </p:txBody>
@@ -29150,7 +29150,7 @@
                 </a:solidFill>
                 <a:sym typeface="Symbol" panose="05050102010706020507" pitchFamily="18" charset="2"/>
               </a:rPr>
-              <a:t> turn=1  [] turn=1 </a:t>
+              <a:t> turn=1  [] turn=1               </a:t>
             </a:r>
             <a:endParaRPr lang="de-DE" altLang="en-US" sz="1600" dirty="0"/>
           </a:p>
@@ -29181,7 +29181,73 @@
                 </a:solidFill>
                 <a:sym typeface="Symbol" panose="05050102010706020507" pitchFamily="18" charset="2"/>
               </a:rPr>
-              <a:t> [] turn=1)     p8          </a:t>
+              <a:t> [] turn=1)     p8</a:t>
+            </a:r>
+          </a:p>
+          <a:p>
+            <a:pPr marL="0" indent="0">
+              <a:buNone/>
+            </a:pPr>
+            <a:r>
+              <a:rPr lang="de-DE" altLang="en-US" sz="1600" b="1" dirty="0">
+                <a:solidFill>
+                  <a:schemeClr val="accent2"/>
+                </a:solidFill>
+                <a:sym typeface="Symbol" panose="05050102010706020507" pitchFamily="18" charset="2"/>
+              </a:rPr>
+              <a:t>                    </a:t>
+            </a:r>
+            <a:r>
+              <a:rPr lang="de-DE" altLang="en-US" sz="1600" dirty="0">
+                <a:solidFill>
+                  <a:schemeClr val="tx1"/>
+                </a:solidFill>
+                <a:sym typeface="Symbol" panose="05050102010706020507" pitchFamily="18" charset="2"/>
+              </a:rPr>
+              <a:t>thus :  </a:t>
+            </a:r>
+            <a:r>
+              <a:rPr lang="de-DE" altLang="en-US" sz="1600" b="1" dirty="0">
+                <a:solidFill>
+                  <a:schemeClr val="accent2"/>
+                </a:solidFill>
+                <a:sym typeface="Symbol" panose="05050102010706020507" pitchFamily="18" charset="2"/>
+              </a:rPr>
+              <a:t>(p2</a:t>
+            </a:r>
+            <a:r>
+              <a:rPr lang="de-DE" altLang="en-US" sz="1600" b="1" dirty="0">
+                <a:solidFill>
+                  <a:schemeClr val="accent2"/>
+                </a:solidFill>
+              </a:rPr>
+              <a:t> </a:t>
+            </a:r>
+            <a:r>
+              <a:rPr lang="de-DE" altLang="en-US" sz="1600" b="1" dirty="0">
+                <a:solidFill>
+                  <a:schemeClr val="accent2"/>
+                </a:solidFill>
+                <a:sym typeface="Symbol" panose="05050102010706020507" pitchFamily="18" charset="2"/>
+              </a:rPr>
+              <a:t> </a:t>
+            </a:r>
+            <a:r>
+              <a:rPr lang="de-DE" altLang="en-US" sz="1600" b="1" dirty="0">
+                <a:solidFill>
+                  <a:schemeClr val="accent2"/>
+                </a:solidFill>
+              </a:rPr>
+              <a:t>q1) </a:t>
+            </a:r>
+            <a:r>
+              <a:rPr lang="de-DE" altLang="en-US" sz="1600" b="1" dirty="0">
+                <a:solidFill>
+                  <a:schemeClr val="accent2"/>
+                </a:solidFill>
+                <a:sym typeface="Symbol" panose="05050102010706020507" pitchFamily="18" charset="2"/>
+              </a:rPr>
+              <a:t>   p8           </a:t>
             </a:r>
             <a:r>
               <a:rPr lang="de-DE" altLang="en-US" sz="1600" dirty="0">
@@ -29495,11 +29561,20 @@
             <a:r>
               <a:rPr lang="de-DE" altLang="en-US" sz="1600" b="1" dirty="0">
                 <a:solidFill>
+                  <a:schemeClr val="tx1"/>
+                </a:solidFill>
+                <a:sym typeface="Symbol" panose="05050102010706020507" pitchFamily="18" charset="2"/>
+              </a:rPr>
+              <a:t>.</a:t>
+            </a:r>
+            <a:r>
+              <a:rPr lang="de-DE" altLang="en-US" sz="1600" b="1" dirty="0">
+                <a:solidFill>
                   <a:schemeClr val="accent2"/>
                 </a:solidFill>
                 <a:sym typeface="Symbol" panose="05050102010706020507" pitchFamily="18" charset="2"/>
               </a:rPr>
-              <a:t>.     turn=1</a:t>
+              <a:t>     turn=1</a:t>
             </a:r>
           </a:p>
           <a:p>
@@ -29551,7 +29626,19 @@
               <a:rPr lang="de-DE" altLang="en-US" sz="1600" dirty="0">
                 <a:sym typeface="Symbol" panose="05050102010706020507" pitchFamily="18" charset="2"/>
               </a:rPr>
-              <a:t>(turn&lt;-2 is only after the c.s of p)</a:t>
+              <a:t>(turn </a:t>
+            </a:r>
+            <a:r>
+              <a:rPr lang="de-DE" altLang="en-US" sz="1600" dirty="0">
+                <a:sym typeface="Wingdings" panose="05000000000000000000" pitchFamily="2" charset="2"/>
+              </a:rPr>
+              <a:t></a:t>
+            </a:r>
+            <a:r>
+              <a:rPr lang="de-DE" altLang="en-US" sz="1600" dirty="0">
+                <a:sym typeface="Symbol" panose="05050102010706020507" pitchFamily="18" charset="2"/>
+              </a:rPr>
+              <a:t> 2 is only after the c.s of p, and we are assuming p never gets to its c.s.)</a:t>
             </a:r>
           </a:p>
           <a:p>
